--- a/DsDotNet/src/UnitTest/UnitTest.Engine/ImportPPT/debug.pptx
+++ b/DsDotNet/src/UnitTest/UnitTest.Engine/ImportPPT/debug.pptx
@@ -5,10 +5,10 @@
     <p:sldMasterId id="2147483687" r:id="rId1"/>
   </p:sldMasterIdLst>
   <p:notesMasterIdLst>
-    <p:notesMasterId r:id="rId8"/>
+    <p:notesMasterId r:id="rId14"/>
   </p:notesMasterIdLst>
   <p:handoutMasterIdLst>
-    <p:handoutMasterId r:id="rId9"/>
+    <p:handoutMasterId r:id="rId15"/>
   </p:handoutMasterIdLst>
   <p:sldIdLst>
     <p:sldId id="614" r:id="rId2"/>
@@ -17,6 +17,12 @@
     <p:sldId id="607" r:id="rId5"/>
     <p:sldId id="625" r:id="rId6"/>
     <p:sldId id="626" r:id="rId7"/>
+    <p:sldId id="627" r:id="rId8"/>
+    <p:sldId id="628" r:id="rId9"/>
+    <p:sldId id="618" r:id="rId10"/>
+    <p:sldId id="615" r:id="rId11"/>
+    <p:sldId id="621" r:id="rId12"/>
+    <p:sldId id="624" r:id="rId13"/>
   </p:sldIdLst>
   <p:sldSz cx="12192000" cy="6858000"/>
   <p:notesSz cx="6797675" cy="9926638"/>
@@ -13116,6 +13122,1948 @@
 </p:sld>
 </file>
 
+<file path=ppt/slides/slide10.xml><?xml version="1.0" encoding="utf-8"?>
+<p:sld xmlns:a="http://schemas.openxmlformats.org/drawingml/2006/main" xmlns:r="http://schemas.openxmlformats.org/officeDocument/2006/relationships" xmlns:p="http://schemas.openxmlformats.org/presentationml/2006/main">
+  <p:cSld>
+    <p:spTree>
+      <p:nvGrpSpPr>
+        <p:cNvPr id="1" name=""/>
+        <p:cNvGrpSpPr/>
+        <p:nvPr/>
+      </p:nvGrpSpPr>
+      <p:grpSpPr>
+        <a:xfrm>
+          <a:off x="0" y="0"/>
+          <a:ext cx="0" cy="0"/>
+          <a:chOff x="0" y="0"/>
+          <a:chExt cx="0" cy="0"/>
+        </a:xfrm>
+      </p:grpSpPr>
+      <p:sp>
+        <p:nvSpPr>
+          <p:cNvPr id="2" name="제목 1">
+            <a:extLst>
+              <a:ext uri="{FF2B5EF4-FFF2-40B4-BE49-F238E27FC236}">
+                <a16:creationId xmlns:a16="http://schemas.microsoft.com/office/drawing/2014/main" id="{E35BEC89-0CFB-7F29-D8C7-71B3E64B4D66}"/>
+              </a:ext>
+            </a:extLst>
+          </p:cNvPr>
+          <p:cNvSpPr>
+            <a:spLocks noGrp="1"/>
+          </p:cNvSpPr>
+          <p:nvPr>
+            <p:ph type="title"/>
+          </p:nvPr>
+        </p:nvSpPr>
+        <p:spPr/>
+        <p:txBody>
+          <a:bodyPr/>
+          <a:lstStyle/>
+          <a:p>
+            <a:r>
+              <a:rPr lang="en-US" altLang="ko-KR" dirty="0"/>
+              <a:t>$SystemA</a:t>
+            </a:r>
+            <a:endParaRPr lang="ko-KR" altLang="en-US" dirty="0"/>
+          </a:p>
+        </p:txBody>
+      </p:sp>
+      <p:sp>
+        <p:nvSpPr>
+          <p:cNvPr id="3" name="직사각형 2">
+            <a:extLst>
+              <a:ext uri="{FF2B5EF4-FFF2-40B4-BE49-F238E27FC236}">
+                <a16:creationId xmlns:a16="http://schemas.microsoft.com/office/drawing/2014/main" id="{AE284668-AADC-BBCB-FD0C-C38FD3BAC033}"/>
+              </a:ext>
+            </a:extLst>
+          </p:cNvPr>
+          <p:cNvSpPr/>
+          <p:nvPr/>
+        </p:nvSpPr>
+        <p:spPr>
+          <a:xfrm>
+            <a:off x="1643289" y="2204358"/>
+            <a:ext cx="1103086" cy="1066431"/>
+          </a:xfrm>
+          <a:prstGeom prst="rect">
+            <a:avLst/>
+          </a:prstGeom>
+          <a:solidFill>
+            <a:schemeClr val="accent4">
+              <a:alpha val="50000"/>
+            </a:schemeClr>
+          </a:solidFill>
+          <a:ln>
+            <a:noFill/>
+          </a:ln>
+        </p:spPr>
+        <p:style>
+          <a:lnRef idx="0">
+            <a:scrgbClr r="0" g="0" b="0"/>
+          </a:lnRef>
+          <a:fillRef idx="0">
+            <a:scrgbClr r="0" g="0" b="0"/>
+          </a:fillRef>
+          <a:effectRef idx="0">
+            <a:scrgbClr r="0" g="0" b="0"/>
+          </a:effectRef>
+          <a:fontRef idx="minor">
+            <a:schemeClr val="lt1"/>
+          </a:fontRef>
+        </p:style>
+        <p:txBody>
+          <a:bodyPr rtlCol="0" anchor="ctr"/>
+          <a:lstStyle/>
+          <a:p>
+            <a:pPr algn="ctr"/>
+            <a:r>
+              <a:rPr lang="en-US" altLang="ko-KR" sz="2800" dirty="0"/>
+              <a:t>R1</a:t>
+            </a:r>
+            <a:endParaRPr lang="ko-KR" altLang="en-US" sz="2800" dirty="0"/>
+          </a:p>
+        </p:txBody>
+      </p:sp>
+      <p:sp>
+        <p:nvSpPr>
+          <p:cNvPr id="4" name="직사각형 3">
+            <a:extLst>
+              <a:ext uri="{FF2B5EF4-FFF2-40B4-BE49-F238E27FC236}">
+                <a16:creationId xmlns:a16="http://schemas.microsoft.com/office/drawing/2014/main" id="{74743BFD-24B1-B058-BC70-ED691B775D89}"/>
+              </a:ext>
+            </a:extLst>
+          </p:cNvPr>
+          <p:cNvSpPr/>
+          <p:nvPr/>
+        </p:nvSpPr>
+        <p:spPr>
+          <a:xfrm>
+            <a:off x="3428546" y="2204358"/>
+            <a:ext cx="1103086" cy="1066431"/>
+          </a:xfrm>
+          <a:prstGeom prst="rect">
+            <a:avLst/>
+          </a:prstGeom>
+          <a:solidFill>
+            <a:schemeClr val="accent4">
+              <a:alpha val="50000"/>
+            </a:schemeClr>
+          </a:solidFill>
+          <a:ln>
+            <a:noFill/>
+          </a:ln>
+        </p:spPr>
+        <p:style>
+          <a:lnRef idx="0">
+            <a:scrgbClr r="0" g="0" b="0"/>
+          </a:lnRef>
+          <a:fillRef idx="0">
+            <a:scrgbClr r="0" g="0" b="0"/>
+          </a:fillRef>
+          <a:effectRef idx="0">
+            <a:scrgbClr r="0" g="0" b="0"/>
+          </a:effectRef>
+          <a:fontRef idx="minor">
+            <a:schemeClr val="lt1"/>
+          </a:fontRef>
+        </p:style>
+        <p:txBody>
+          <a:bodyPr rtlCol="0" anchor="ctr"/>
+          <a:lstStyle/>
+          <a:p>
+            <a:pPr algn="ctr"/>
+            <a:r>
+              <a:rPr lang="en-US" altLang="ko-KR" sz="2800" dirty="0"/>
+              <a:t>R2</a:t>
+            </a:r>
+            <a:endParaRPr lang="ko-KR" altLang="en-US" sz="2800" dirty="0"/>
+          </a:p>
+        </p:txBody>
+      </p:sp>
+      <p:cxnSp>
+        <p:nvCxnSpPr>
+          <p:cNvPr id="5" name="직선 화살표 연결선 4">
+            <a:extLst>
+              <a:ext uri="{FF2B5EF4-FFF2-40B4-BE49-F238E27FC236}">
+                <a16:creationId xmlns:a16="http://schemas.microsoft.com/office/drawing/2014/main" id="{D59A1C66-22B5-D827-49D2-3FA11731792D}"/>
+              </a:ext>
+            </a:extLst>
+          </p:cNvPr>
+          <p:cNvCxnSpPr>
+            <a:cxnSpLocks/>
+            <a:stCxn id="3" idx="3"/>
+            <a:endCxn id="4" idx="1"/>
+          </p:cNvCxnSpPr>
+          <p:nvPr/>
+        </p:nvCxnSpPr>
+        <p:spPr>
+          <a:xfrm>
+            <a:off x="2746375" y="2737574"/>
+            <a:ext cx="682171" cy="0"/>
+          </a:xfrm>
+          <a:prstGeom prst="straightConnector1">
+            <a:avLst/>
+          </a:prstGeom>
+          <a:ln w="28575">
+            <a:solidFill>
+              <a:schemeClr val="tx1">
+                <a:lumMod val="75000"/>
+                <a:lumOff val="25000"/>
+              </a:schemeClr>
+            </a:solidFill>
+            <a:tailEnd type="triangle"/>
+          </a:ln>
+        </p:spPr>
+        <p:style>
+          <a:lnRef idx="1">
+            <a:schemeClr val="dk1"/>
+          </a:lnRef>
+          <a:fillRef idx="3">
+            <a:schemeClr val="dk1"/>
+          </a:fillRef>
+          <a:effectRef idx="2">
+            <a:schemeClr val="dk1"/>
+          </a:effectRef>
+          <a:fontRef idx="minor">
+            <a:schemeClr val="lt1"/>
+          </a:fontRef>
+        </p:style>
+      </p:cxnSp>
+      <p:sp>
+        <p:nvSpPr>
+          <p:cNvPr id="6" name="직사각형 5">
+            <a:extLst>
+              <a:ext uri="{FF2B5EF4-FFF2-40B4-BE49-F238E27FC236}">
+                <a16:creationId xmlns:a16="http://schemas.microsoft.com/office/drawing/2014/main" id="{061E75B7-681C-366D-275B-8BF147396AC9}"/>
+              </a:ext>
+            </a:extLst>
+          </p:cNvPr>
+          <p:cNvSpPr/>
+          <p:nvPr/>
+        </p:nvSpPr>
+        <p:spPr>
+          <a:xfrm>
+            <a:off x="5213803" y="2204357"/>
+            <a:ext cx="1103086" cy="1066431"/>
+          </a:xfrm>
+          <a:prstGeom prst="rect">
+            <a:avLst/>
+          </a:prstGeom>
+          <a:solidFill>
+            <a:schemeClr val="accent4">
+              <a:alpha val="50000"/>
+            </a:schemeClr>
+          </a:solidFill>
+          <a:ln>
+            <a:noFill/>
+          </a:ln>
+        </p:spPr>
+        <p:style>
+          <a:lnRef idx="0">
+            <a:scrgbClr r="0" g="0" b="0"/>
+          </a:lnRef>
+          <a:fillRef idx="0">
+            <a:scrgbClr r="0" g="0" b="0"/>
+          </a:fillRef>
+          <a:effectRef idx="0">
+            <a:scrgbClr r="0" g="0" b="0"/>
+          </a:effectRef>
+          <a:fontRef idx="minor">
+            <a:schemeClr val="lt1"/>
+          </a:fontRef>
+        </p:style>
+        <p:txBody>
+          <a:bodyPr rtlCol="0" anchor="ctr"/>
+          <a:lstStyle/>
+          <a:p>
+            <a:pPr algn="ctr"/>
+            <a:r>
+              <a:rPr lang="en-US" altLang="ko-KR" sz="2800" dirty="0"/>
+              <a:t>R3</a:t>
+            </a:r>
+            <a:endParaRPr lang="ko-KR" altLang="en-US" sz="2800" dirty="0"/>
+          </a:p>
+        </p:txBody>
+      </p:sp>
+      <p:cxnSp>
+        <p:nvCxnSpPr>
+          <p:cNvPr id="8" name="직선 화살표 연결선 7">
+            <a:extLst>
+              <a:ext uri="{FF2B5EF4-FFF2-40B4-BE49-F238E27FC236}">
+                <a16:creationId xmlns:a16="http://schemas.microsoft.com/office/drawing/2014/main" id="{937DD01D-AD0B-1FA8-2019-457FFAB8C0FE}"/>
+              </a:ext>
+            </a:extLst>
+          </p:cNvPr>
+          <p:cNvCxnSpPr>
+            <a:cxnSpLocks/>
+            <a:stCxn id="4" idx="3"/>
+            <a:endCxn id="6" idx="1"/>
+          </p:cNvCxnSpPr>
+          <p:nvPr/>
+        </p:nvCxnSpPr>
+        <p:spPr>
+          <a:xfrm flipV="1">
+            <a:off x="4531632" y="2737573"/>
+            <a:ext cx="682171" cy="1"/>
+          </a:xfrm>
+          <a:prstGeom prst="straightConnector1">
+            <a:avLst/>
+          </a:prstGeom>
+          <a:ln w="57150" cmpd="dbl">
+            <a:solidFill>
+              <a:schemeClr val="tx1">
+                <a:lumMod val="75000"/>
+                <a:lumOff val="25000"/>
+              </a:schemeClr>
+            </a:solidFill>
+            <a:tailEnd type="triangle"/>
+          </a:ln>
+        </p:spPr>
+        <p:style>
+          <a:lnRef idx="1">
+            <a:schemeClr val="dk1"/>
+          </a:lnRef>
+          <a:fillRef idx="3">
+            <a:schemeClr val="dk1"/>
+          </a:fillRef>
+          <a:effectRef idx="2">
+            <a:schemeClr val="dk1"/>
+          </a:effectRef>
+          <a:fontRef idx="minor">
+            <a:schemeClr val="lt1"/>
+          </a:fontRef>
+        </p:style>
+      </p:cxnSp>
+      <p:sp>
+        <p:nvSpPr>
+          <p:cNvPr id="23" name="직사각형 22">
+            <a:extLst>
+              <a:ext uri="{FF2B5EF4-FFF2-40B4-BE49-F238E27FC236}">
+                <a16:creationId xmlns:a16="http://schemas.microsoft.com/office/drawing/2014/main" id="{84529DA7-F1E1-F0E2-637D-64CC7C6F697B}"/>
+              </a:ext>
+            </a:extLst>
+          </p:cNvPr>
+          <p:cNvSpPr/>
+          <p:nvPr/>
+        </p:nvSpPr>
+        <p:spPr>
+          <a:xfrm>
+            <a:off x="6999060" y="2204356"/>
+            <a:ext cx="1103086" cy="1066431"/>
+          </a:xfrm>
+          <a:prstGeom prst="rect">
+            <a:avLst/>
+          </a:prstGeom>
+          <a:solidFill>
+            <a:schemeClr val="accent4">
+              <a:alpha val="50000"/>
+            </a:schemeClr>
+          </a:solidFill>
+          <a:ln>
+            <a:noFill/>
+          </a:ln>
+        </p:spPr>
+        <p:style>
+          <a:lnRef idx="0">
+            <a:scrgbClr r="0" g="0" b="0"/>
+          </a:lnRef>
+          <a:fillRef idx="0">
+            <a:scrgbClr r="0" g="0" b="0"/>
+          </a:fillRef>
+          <a:effectRef idx="0">
+            <a:scrgbClr r="0" g="0" b="0"/>
+          </a:effectRef>
+          <a:fontRef idx="minor">
+            <a:schemeClr val="lt1"/>
+          </a:fontRef>
+        </p:style>
+        <p:txBody>
+          <a:bodyPr rtlCol="0" anchor="ctr"/>
+          <a:lstStyle/>
+          <a:p>
+            <a:pPr algn="ctr"/>
+            <a:r>
+              <a:rPr lang="en-US" altLang="ko-KR" sz="2800" dirty="0"/>
+              <a:t>R4</a:t>
+            </a:r>
+            <a:endParaRPr lang="ko-KR" altLang="en-US" sz="2800" dirty="0"/>
+          </a:p>
+        </p:txBody>
+      </p:sp>
+      <p:cxnSp>
+        <p:nvCxnSpPr>
+          <p:cNvPr id="24" name="직선 화살표 연결선 23">
+            <a:extLst>
+              <a:ext uri="{FF2B5EF4-FFF2-40B4-BE49-F238E27FC236}">
+                <a16:creationId xmlns:a16="http://schemas.microsoft.com/office/drawing/2014/main" id="{BE733B42-1C78-BC2A-55A5-EA3ACDB67C78}"/>
+              </a:ext>
+            </a:extLst>
+          </p:cNvPr>
+          <p:cNvCxnSpPr>
+            <a:cxnSpLocks/>
+            <a:stCxn id="6" idx="3"/>
+            <a:endCxn id="23" idx="1"/>
+          </p:cNvCxnSpPr>
+          <p:nvPr/>
+        </p:nvCxnSpPr>
+        <p:spPr>
+          <a:xfrm flipV="1">
+            <a:off x="6316889" y="2737572"/>
+            <a:ext cx="682171" cy="1"/>
+          </a:xfrm>
+          <a:prstGeom prst="straightConnector1">
+            <a:avLst/>
+          </a:prstGeom>
+          <a:ln w="31750">
+            <a:solidFill>
+              <a:schemeClr val="tx1">
+                <a:lumMod val="75000"/>
+                <a:lumOff val="25000"/>
+              </a:schemeClr>
+            </a:solidFill>
+            <a:prstDash val="dash"/>
+            <a:tailEnd type="triangle"/>
+          </a:ln>
+        </p:spPr>
+        <p:style>
+          <a:lnRef idx="1">
+            <a:schemeClr val="dk1"/>
+          </a:lnRef>
+          <a:fillRef idx="3">
+            <a:schemeClr val="dk1"/>
+          </a:fillRef>
+          <a:effectRef idx="2">
+            <a:schemeClr val="dk1"/>
+          </a:effectRef>
+          <a:fontRef idx="minor">
+            <a:schemeClr val="lt1"/>
+          </a:fontRef>
+        </p:style>
+      </p:cxnSp>
+      <p:sp>
+        <p:nvSpPr>
+          <p:cNvPr id="27" name="직사각형 26">
+            <a:extLst>
+              <a:ext uri="{FF2B5EF4-FFF2-40B4-BE49-F238E27FC236}">
+                <a16:creationId xmlns:a16="http://schemas.microsoft.com/office/drawing/2014/main" id="{8D9A5CA6-1556-A2DB-9B44-FFAA075F7066}"/>
+              </a:ext>
+            </a:extLst>
+          </p:cNvPr>
+          <p:cNvSpPr/>
+          <p:nvPr/>
+        </p:nvSpPr>
+        <p:spPr>
+          <a:xfrm>
+            <a:off x="4081689" y="4195083"/>
+            <a:ext cx="1103086" cy="1066431"/>
+          </a:xfrm>
+          <a:prstGeom prst="rect">
+            <a:avLst/>
+          </a:prstGeom>
+          <a:solidFill>
+            <a:schemeClr val="accent4">
+              <a:alpha val="50000"/>
+            </a:schemeClr>
+          </a:solidFill>
+          <a:ln>
+            <a:noFill/>
+          </a:ln>
+        </p:spPr>
+        <p:style>
+          <a:lnRef idx="0">
+            <a:scrgbClr r="0" g="0" b="0"/>
+          </a:lnRef>
+          <a:fillRef idx="0">
+            <a:scrgbClr r="0" g="0" b="0"/>
+          </a:fillRef>
+          <a:effectRef idx="0">
+            <a:scrgbClr r="0" g="0" b="0"/>
+          </a:effectRef>
+          <a:fontRef idx="minor">
+            <a:schemeClr val="lt1"/>
+          </a:fontRef>
+        </p:style>
+        <p:txBody>
+          <a:bodyPr rtlCol="0" anchor="ctr"/>
+          <a:lstStyle/>
+          <a:p>
+            <a:pPr algn="ctr"/>
+            <a:r>
+              <a:rPr lang="en-US" altLang="ko-KR" sz="2800" dirty="0"/>
+              <a:t>[R3]</a:t>
+            </a:r>
+          </a:p>
+          <a:p>
+            <a:pPr algn="ctr"/>
+            <a:r>
+              <a:rPr lang="en-US" altLang="ko-KR" sz="2800" dirty="0"/>
+              <a:t>R5</a:t>
+            </a:r>
+            <a:endParaRPr lang="ko-KR" altLang="en-US" sz="2800" dirty="0"/>
+          </a:p>
+        </p:txBody>
+      </p:sp>
+      <p:sp>
+        <p:nvSpPr>
+          <p:cNvPr id="28" name="직사각형 27">
+            <a:extLst>
+              <a:ext uri="{FF2B5EF4-FFF2-40B4-BE49-F238E27FC236}">
+                <a16:creationId xmlns:a16="http://schemas.microsoft.com/office/drawing/2014/main" id="{C872A8B1-6758-977A-F148-0D8F06CC853E}"/>
+              </a:ext>
+            </a:extLst>
+          </p:cNvPr>
+          <p:cNvSpPr/>
+          <p:nvPr/>
+        </p:nvSpPr>
+        <p:spPr>
+          <a:xfrm>
+            <a:off x="5866946" y="4195083"/>
+            <a:ext cx="1103086" cy="1066431"/>
+          </a:xfrm>
+          <a:prstGeom prst="rect">
+            <a:avLst/>
+          </a:prstGeom>
+          <a:solidFill>
+            <a:schemeClr val="accent4">
+              <a:alpha val="50000"/>
+            </a:schemeClr>
+          </a:solidFill>
+          <a:ln>
+            <a:noFill/>
+          </a:ln>
+        </p:spPr>
+        <p:style>
+          <a:lnRef idx="0">
+            <a:scrgbClr r="0" g="0" b="0"/>
+          </a:lnRef>
+          <a:fillRef idx="0">
+            <a:scrgbClr r="0" g="0" b="0"/>
+          </a:fillRef>
+          <a:effectRef idx="0">
+            <a:scrgbClr r="0" g="0" b="0"/>
+          </a:effectRef>
+          <a:fontRef idx="minor">
+            <a:schemeClr val="lt1"/>
+          </a:fontRef>
+        </p:style>
+        <p:txBody>
+          <a:bodyPr rtlCol="0" anchor="ctr"/>
+          <a:lstStyle/>
+          <a:p>
+            <a:pPr algn="ctr"/>
+            <a:r>
+              <a:rPr lang="en-US" altLang="ko-KR" sz="1600" dirty="0"/>
+              <a:t>[R1;R2;R3]</a:t>
+            </a:r>
+          </a:p>
+          <a:p>
+            <a:pPr algn="ctr"/>
+            <a:r>
+              <a:rPr lang="en-US" altLang="ko-KR" sz="1600" dirty="0"/>
+              <a:t>R6</a:t>
+            </a:r>
+            <a:endParaRPr lang="ko-KR" altLang="en-US" sz="1600" dirty="0"/>
+          </a:p>
+        </p:txBody>
+      </p:sp>
+      <p:sp>
+        <p:nvSpPr>
+          <p:cNvPr id="30" name="직사각형 29">
+            <a:extLst>
+              <a:ext uri="{FF2B5EF4-FFF2-40B4-BE49-F238E27FC236}">
+                <a16:creationId xmlns:a16="http://schemas.microsoft.com/office/drawing/2014/main" id="{D438A902-C063-F394-7814-44C4B836C87F}"/>
+              </a:ext>
+            </a:extLst>
+          </p:cNvPr>
+          <p:cNvSpPr/>
+          <p:nvPr/>
+        </p:nvSpPr>
+        <p:spPr>
+          <a:xfrm>
+            <a:off x="7652203" y="4195082"/>
+            <a:ext cx="1103086" cy="1066431"/>
+          </a:xfrm>
+          <a:prstGeom prst="rect">
+            <a:avLst/>
+          </a:prstGeom>
+          <a:solidFill>
+            <a:schemeClr val="accent4">
+              <a:alpha val="50000"/>
+            </a:schemeClr>
+          </a:solidFill>
+          <a:ln>
+            <a:noFill/>
+          </a:ln>
+        </p:spPr>
+        <p:style>
+          <a:lnRef idx="0">
+            <a:scrgbClr r="0" g="0" b="0"/>
+          </a:lnRef>
+          <a:fillRef idx="0">
+            <a:scrgbClr r="0" g="0" b="0"/>
+          </a:fillRef>
+          <a:effectRef idx="0">
+            <a:scrgbClr r="0" g="0" b="0"/>
+          </a:effectRef>
+          <a:fontRef idx="minor">
+            <a:schemeClr val="lt1"/>
+          </a:fontRef>
+        </p:style>
+        <p:txBody>
+          <a:bodyPr rtlCol="0" anchor="ctr"/>
+          <a:lstStyle/>
+          <a:p>
+            <a:pPr algn="ctr"/>
+            <a:r>
+              <a:rPr lang="en-US" altLang="ko-KR" sz="2800" dirty="0"/>
+              <a:t>R7</a:t>
+            </a:r>
+            <a:endParaRPr lang="ko-KR" altLang="en-US" sz="2800" dirty="0"/>
+          </a:p>
+        </p:txBody>
+      </p:sp>
+      <p:cxnSp>
+        <p:nvCxnSpPr>
+          <p:cNvPr id="31" name="직선 화살표 연결선 30">
+            <a:extLst>
+              <a:ext uri="{FF2B5EF4-FFF2-40B4-BE49-F238E27FC236}">
+                <a16:creationId xmlns:a16="http://schemas.microsoft.com/office/drawing/2014/main" id="{315903F4-6290-5819-44BD-E29DC12B52CE}"/>
+              </a:ext>
+            </a:extLst>
+          </p:cNvPr>
+          <p:cNvCxnSpPr>
+            <a:cxnSpLocks/>
+            <a:stCxn id="28" idx="3"/>
+            <a:endCxn id="30" idx="1"/>
+          </p:cNvCxnSpPr>
+          <p:nvPr/>
+        </p:nvCxnSpPr>
+        <p:spPr>
+          <a:xfrm flipV="1">
+            <a:off x="6970032" y="4728298"/>
+            <a:ext cx="682171" cy="1"/>
+          </a:xfrm>
+          <a:prstGeom prst="straightConnector1">
+            <a:avLst/>
+          </a:prstGeom>
+          <a:ln w="57150" cmpd="dbl">
+            <a:solidFill>
+              <a:schemeClr val="tx1">
+                <a:lumMod val="75000"/>
+                <a:lumOff val="25000"/>
+              </a:schemeClr>
+            </a:solidFill>
+            <a:tailEnd type="triangle"/>
+          </a:ln>
+        </p:spPr>
+        <p:style>
+          <a:lnRef idx="1">
+            <a:schemeClr val="dk1"/>
+          </a:lnRef>
+          <a:fillRef idx="3">
+            <a:schemeClr val="dk1"/>
+          </a:fillRef>
+          <a:effectRef idx="2">
+            <a:schemeClr val="dk1"/>
+          </a:effectRef>
+          <a:fontRef idx="minor">
+            <a:schemeClr val="lt1"/>
+          </a:fontRef>
+        </p:style>
+      </p:cxnSp>
+      <p:sp>
+        <p:nvSpPr>
+          <p:cNvPr id="32" name="직사각형 31">
+            <a:extLst>
+              <a:ext uri="{FF2B5EF4-FFF2-40B4-BE49-F238E27FC236}">
+                <a16:creationId xmlns:a16="http://schemas.microsoft.com/office/drawing/2014/main" id="{54FE774E-D0B3-6228-F53A-C6E25BD2697C}"/>
+              </a:ext>
+            </a:extLst>
+          </p:cNvPr>
+          <p:cNvSpPr/>
+          <p:nvPr/>
+        </p:nvSpPr>
+        <p:spPr>
+          <a:xfrm>
+            <a:off x="9437460" y="4195081"/>
+            <a:ext cx="1103086" cy="1066431"/>
+          </a:xfrm>
+          <a:prstGeom prst="rect">
+            <a:avLst/>
+          </a:prstGeom>
+          <a:solidFill>
+            <a:schemeClr val="accent4">
+              <a:alpha val="50000"/>
+            </a:schemeClr>
+          </a:solidFill>
+          <a:ln>
+            <a:noFill/>
+          </a:ln>
+        </p:spPr>
+        <p:style>
+          <a:lnRef idx="0">
+            <a:scrgbClr r="0" g="0" b="0"/>
+          </a:lnRef>
+          <a:fillRef idx="0">
+            <a:scrgbClr r="0" g="0" b="0"/>
+          </a:fillRef>
+          <a:effectRef idx="0">
+            <a:scrgbClr r="0" g="0" b="0"/>
+          </a:effectRef>
+          <a:fontRef idx="minor">
+            <a:schemeClr val="lt1"/>
+          </a:fontRef>
+        </p:style>
+        <p:txBody>
+          <a:bodyPr rtlCol="0" anchor="ctr"/>
+          <a:lstStyle/>
+          <a:p>
+            <a:pPr algn="ctr"/>
+            <a:r>
+              <a:rPr lang="en-US" altLang="ko-KR" sz="2800" dirty="0"/>
+              <a:t>R8</a:t>
+            </a:r>
+            <a:endParaRPr lang="ko-KR" altLang="en-US" sz="2800" dirty="0"/>
+          </a:p>
+        </p:txBody>
+      </p:sp>
+      <p:cxnSp>
+        <p:nvCxnSpPr>
+          <p:cNvPr id="34" name="직선 화살표 연결선 33">
+            <a:extLst>
+              <a:ext uri="{FF2B5EF4-FFF2-40B4-BE49-F238E27FC236}">
+                <a16:creationId xmlns:a16="http://schemas.microsoft.com/office/drawing/2014/main" id="{BCE5F096-013D-B399-F64B-7CCA327AC07B}"/>
+              </a:ext>
+            </a:extLst>
+          </p:cNvPr>
+          <p:cNvCxnSpPr>
+            <a:cxnSpLocks/>
+            <a:stCxn id="27" idx="3"/>
+            <a:endCxn id="28" idx="1"/>
+          </p:cNvCxnSpPr>
+          <p:nvPr/>
+        </p:nvCxnSpPr>
+        <p:spPr>
+          <a:xfrm>
+            <a:off x="5184775" y="4728299"/>
+            <a:ext cx="682171" cy="0"/>
+          </a:xfrm>
+          <a:prstGeom prst="straightConnector1">
+            <a:avLst/>
+          </a:prstGeom>
+          <a:ln w="57150" cmpd="dbl">
+            <a:solidFill>
+              <a:schemeClr val="tx1">
+                <a:lumMod val="75000"/>
+                <a:lumOff val="25000"/>
+              </a:schemeClr>
+            </a:solidFill>
+            <a:prstDash val="sysDot"/>
+            <a:tailEnd type="triangle"/>
+          </a:ln>
+        </p:spPr>
+        <p:style>
+          <a:lnRef idx="1">
+            <a:schemeClr val="dk1"/>
+          </a:lnRef>
+          <a:fillRef idx="3">
+            <a:schemeClr val="dk1"/>
+          </a:fillRef>
+          <a:effectRef idx="2">
+            <a:schemeClr val="dk1"/>
+          </a:effectRef>
+          <a:fontRef idx="minor">
+            <a:schemeClr val="lt1"/>
+          </a:fontRef>
+        </p:style>
+      </p:cxnSp>
+      <p:cxnSp>
+        <p:nvCxnSpPr>
+          <p:cNvPr id="37" name="직선 화살표 연결선 36">
+            <a:extLst>
+              <a:ext uri="{FF2B5EF4-FFF2-40B4-BE49-F238E27FC236}">
+                <a16:creationId xmlns:a16="http://schemas.microsoft.com/office/drawing/2014/main" id="{B394657E-1D91-FDF8-9F12-E15F0BDFB1CC}"/>
+              </a:ext>
+            </a:extLst>
+          </p:cNvPr>
+          <p:cNvCxnSpPr>
+            <a:cxnSpLocks/>
+            <a:stCxn id="30" idx="3"/>
+            <a:endCxn id="32" idx="1"/>
+          </p:cNvCxnSpPr>
+          <p:nvPr/>
+        </p:nvCxnSpPr>
+        <p:spPr>
+          <a:xfrm flipV="1">
+            <a:off x="8755289" y="4728297"/>
+            <a:ext cx="682171" cy="1"/>
+          </a:xfrm>
+          <a:prstGeom prst="straightConnector1">
+            <a:avLst/>
+          </a:prstGeom>
+          <a:ln w="57150" cmpd="sng">
+            <a:solidFill>
+              <a:schemeClr val="tx1">
+                <a:lumMod val="75000"/>
+                <a:lumOff val="25000"/>
+              </a:schemeClr>
+            </a:solidFill>
+            <a:prstDash val="solid"/>
+            <a:headEnd type="diamond" w="med" len="med"/>
+            <a:tailEnd type="triangle" w="med" len="med"/>
+          </a:ln>
+        </p:spPr>
+        <p:style>
+          <a:lnRef idx="1">
+            <a:schemeClr val="dk1"/>
+          </a:lnRef>
+          <a:fillRef idx="3">
+            <a:schemeClr val="dk1"/>
+          </a:fillRef>
+          <a:effectRef idx="2">
+            <a:schemeClr val="dk1"/>
+          </a:effectRef>
+          <a:fontRef idx="minor">
+            <a:schemeClr val="lt1"/>
+          </a:fontRef>
+        </p:style>
+      </p:cxnSp>
+      <p:cxnSp>
+        <p:nvCxnSpPr>
+          <p:cNvPr id="41" name="직선 화살표 연결선 40">
+            <a:extLst>
+              <a:ext uri="{FF2B5EF4-FFF2-40B4-BE49-F238E27FC236}">
+                <a16:creationId xmlns:a16="http://schemas.microsoft.com/office/drawing/2014/main" id="{FCBA2FDB-59E5-E024-DDAB-2BE44772FB35}"/>
+              </a:ext>
+            </a:extLst>
+          </p:cNvPr>
+          <p:cNvCxnSpPr>
+            <a:cxnSpLocks/>
+            <a:stCxn id="6" idx="2"/>
+            <a:endCxn id="28" idx="0"/>
+          </p:cNvCxnSpPr>
+          <p:nvPr/>
+        </p:nvCxnSpPr>
+        <p:spPr>
+          <a:xfrm>
+            <a:off x="5765346" y="3270788"/>
+            <a:ext cx="653143" cy="924295"/>
+          </a:xfrm>
+          <a:prstGeom prst="straightConnector1">
+            <a:avLst/>
+          </a:prstGeom>
+          <a:ln w="57150" cmpd="sng">
+            <a:solidFill>
+              <a:schemeClr val="tx1">
+                <a:lumMod val="75000"/>
+                <a:lumOff val="25000"/>
+              </a:schemeClr>
+            </a:solidFill>
+            <a:prstDash val="sysDash"/>
+            <a:headEnd type="triangle" w="med" len="med"/>
+            <a:tailEnd type="triangle" w="med" len="med"/>
+          </a:ln>
+        </p:spPr>
+        <p:style>
+          <a:lnRef idx="1">
+            <a:schemeClr val="dk1"/>
+          </a:lnRef>
+          <a:fillRef idx="3">
+            <a:schemeClr val="dk1"/>
+          </a:fillRef>
+          <a:effectRef idx="2">
+            <a:schemeClr val="dk1"/>
+          </a:effectRef>
+          <a:fontRef idx="minor">
+            <a:schemeClr val="lt1"/>
+          </a:fontRef>
+        </p:style>
+      </p:cxnSp>
+      <p:sp>
+        <p:nvSpPr>
+          <p:cNvPr id="7" name="TextBox 6">
+            <a:extLst>
+              <a:ext uri="{FF2B5EF4-FFF2-40B4-BE49-F238E27FC236}">
+                <a16:creationId xmlns:a16="http://schemas.microsoft.com/office/drawing/2014/main" id="{0DAC20DB-038A-2294-B285-E3467F603CFA}"/>
+              </a:ext>
+            </a:extLst>
+          </p:cNvPr>
+          <p:cNvSpPr txBox="1"/>
+          <p:nvPr/>
+        </p:nvSpPr>
+        <p:spPr>
+          <a:xfrm>
+            <a:off x="740444" y="5400014"/>
+            <a:ext cx="1588192" cy="646331"/>
+          </a:xfrm>
+          <a:prstGeom prst="rect">
+            <a:avLst/>
+          </a:prstGeom>
+          <a:noFill/>
+        </p:spPr>
+        <p:txBody>
+          <a:bodyPr wrap="none" rtlCol="0">
+            <a:spAutoFit/>
+          </a:bodyPr>
+          <a:lstStyle/>
+          <a:p>
+            <a:r>
+              <a:rPr lang="en-US" altLang="ko-KR" dirty="0"/>
+              <a:t>[safetyVertex]</a:t>
+            </a:r>
+          </a:p>
+          <a:p>
+            <a:pPr algn="ctr"/>
+            <a:r>
+              <a:rPr lang="en-US" altLang="ko-KR" dirty="0"/>
+              <a:t>Vertex</a:t>
+            </a:r>
+          </a:p>
+        </p:txBody>
+      </p:sp>
+      <p:sp>
+        <p:nvSpPr>
+          <p:cNvPr id="10" name="TextBox 9">
+            <a:extLst>
+              <a:ext uri="{FF2B5EF4-FFF2-40B4-BE49-F238E27FC236}">
+                <a16:creationId xmlns:a16="http://schemas.microsoft.com/office/drawing/2014/main" id="{8E2FD1D8-0514-90A8-E342-EB959215E3D0}"/>
+              </a:ext>
+            </a:extLst>
+          </p:cNvPr>
+          <p:cNvSpPr txBox="1"/>
+          <p:nvPr/>
+        </p:nvSpPr>
+        <p:spPr>
+          <a:xfrm>
+            <a:off x="2209346" y="5538513"/>
+            <a:ext cx="6096000" cy="369332"/>
+          </a:xfrm>
+          <a:prstGeom prst="rect">
+            <a:avLst/>
+          </a:prstGeom>
+          <a:noFill/>
+        </p:spPr>
+        <p:txBody>
+          <a:bodyPr wrap="square">
+            <a:spAutoFit/>
+          </a:bodyPr>
+          <a:lstStyle/>
+          <a:p>
+            <a:pPr algn="ctr"/>
+            <a:r>
+              <a:rPr lang="en-US" altLang="ko-KR" dirty="0"/>
+              <a:t>safety</a:t>
+            </a:r>
+            <a:r>
+              <a:rPr lang="ko-KR" altLang="en-US" dirty="0"/>
+              <a:t>는 이름 앞에 </a:t>
+            </a:r>
+            <a:r>
+              <a:rPr lang="en-US" altLang="ko-KR" dirty="0"/>
+              <a:t>“ [] “ </a:t>
+            </a:r>
+            <a:r>
+              <a:rPr lang="ko-KR" altLang="en-US" dirty="0"/>
+              <a:t>규격으로 작성한다</a:t>
+            </a:r>
+            <a:r>
+              <a:rPr lang="en-US" altLang="ko-KR" dirty="0"/>
+              <a:t>.</a:t>
+            </a:r>
+            <a:endParaRPr lang="ko-KR" altLang="en-US" dirty="0"/>
+          </a:p>
+        </p:txBody>
+      </p:sp>
+      <p:sp>
+        <p:nvSpPr>
+          <p:cNvPr id="11" name="TextBox 10">
+            <a:extLst>
+              <a:ext uri="{FF2B5EF4-FFF2-40B4-BE49-F238E27FC236}">
+                <a16:creationId xmlns:a16="http://schemas.microsoft.com/office/drawing/2014/main" id="{232B4F6F-DE44-A9C1-9AB5-E944AE837351}"/>
+              </a:ext>
+            </a:extLst>
+          </p:cNvPr>
+          <p:cNvSpPr txBox="1"/>
+          <p:nvPr/>
+        </p:nvSpPr>
+        <p:spPr>
+          <a:xfrm>
+            <a:off x="740444" y="6139642"/>
+            <a:ext cx="2803973" cy="646331"/>
+          </a:xfrm>
+          <a:prstGeom prst="rect">
+            <a:avLst/>
+          </a:prstGeom>
+          <a:noFill/>
+        </p:spPr>
+        <p:txBody>
+          <a:bodyPr wrap="none" rtlCol="0">
+            <a:spAutoFit/>
+          </a:bodyPr>
+          <a:lstStyle/>
+          <a:p>
+            <a:r>
+              <a:rPr lang="en-US" altLang="ko-KR" dirty="0"/>
+              <a:t>[safety1; safety2; safety3]</a:t>
+            </a:r>
+          </a:p>
+          <a:p>
+            <a:pPr algn="ctr"/>
+            <a:r>
+              <a:rPr lang="en-US" altLang="ko-KR" dirty="0"/>
+              <a:t>Vertex</a:t>
+            </a:r>
+          </a:p>
+        </p:txBody>
+      </p:sp>
+      <p:sp>
+        <p:nvSpPr>
+          <p:cNvPr id="13" name="TextBox 12">
+            <a:extLst>
+              <a:ext uri="{FF2B5EF4-FFF2-40B4-BE49-F238E27FC236}">
+                <a16:creationId xmlns:a16="http://schemas.microsoft.com/office/drawing/2014/main" id="{AA4DBB6A-28A3-315A-94B4-DD1AB6B0AF57}"/>
+              </a:ext>
+            </a:extLst>
+          </p:cNvPr>
+          <p:cNvSpPr txBox="1"/>
+          <p:nvPr/>
+        </p:nvSpPr>
+        <p:spPr>
+          <a:xfrm>
+            <a:off x="3653517" y="6278140"/>
+            <a:ext cx="6096000" cy="369332"/>
+          </a:xfrm>
+          <a:prstGeom prst="rect">
+            <a:avLst/>
+          </a:prstGeom>
+          <a:noFill/>
+        </p:spPr>
+        <p:txBody>
+          <a:bodyPr wrap="square">
+            <a:spAutoFit/>
+          </a:bodyPr>
+          <a:lstStyle/>
+          <a:p>
+            <a:pPr algn="ctr"/>
+            <a:r>
+              <a:rPr lang="en-US" altLang="ko-KR" dirty="0"/>
+              <a:t>safety “ ; “ </a:t>
+            </a:r>
+            <a:r>
+              <a:rPr lang="ko-KR" altLang="en-US" dirty="0"/>
+              <a:t>를 이용하여 복수 조건도 입력가능</a:t>
+            </a:r>
+          </a:p>
+        </p:txBody>
+      </p:sp>
+    </p:spTree>
+    <p:extLst>
+      <p:ext uri="{BB962C8B-B14F-4D97-AF65-F5344CB8AC3E}">
+        <p14:creationId xmlns:p14="http://schemas.microsoft.com/office/powerpoint/2010/main" val="3283676929"/>
+      </p:ext>
+    </p:extLst>
+  </p:cSld>
+  <p:clrMapOvr>
+    <a:masterClrMapping/>
+  </p:clrMapOvr>
+</p:sld>
+</file>
+
+<file path=ppt/slides/slide11.xml><?xml version="1.0" encoding="utf-8"?>
+<p:sld xmlns:a="http://schemas.openxmlformats.org/drawingml/2006/main" xmlns:r="http://schemas.openxmlformats.org/officeDocument/2006/relationships" xmlns:p="http://schemas.openxmlformats.org/presentationml/2006/main">
+  <p:cSld>
+    <p:spTree>
+      <p:nvGrpSpPr>
+        <p:cNvPr id="1" name=""/>
+        <p:cNvGrpSpPr/>
+        <p:nvPr/>
+      </p:nvGrpSpPr>
+      <p:grpSpPr>
+        <a:xfrm>
+          <a:off x="0" y="0"/>
+          <a:ext cx="0" cy="0"/>
+          <a:chOff x="0" y="0"/>
+          <a:chExt cx="0" cy="0"/>
+        </a:xfrm>
+      </p:grpSpPr>
+      <p:sp>
+        <p:nvSpPr>
+          <p:cNvPr id="2" name="제목 1">
+            <a:extLst>
+              <a:ext uri="{FF2B5EF4-FFF2-40B4-BE49-F238E27FC236}">
+                <a16:creationId xmlns:a16="http://schemas.microsoft.com/office/drawing/2014/main" id="{ADB50949-254E-820C-BEAD-92AF490FC74F}"/>
+              </a:ext>
+            </a:extLst>
+          </p:cNvPr>
+          <p:cNvSpPr>
+            <a:spLocks noGrp="1"/>
+          </p:cNvSpPr>
+          <p:nvPr>
+            <p:ph type="title"/>
+          </p:nvPr>
+        </p:nvSpPr>
+        <p:spPr/>
+        <p:txBody>
+          <a:bodyPr/>
+          <a:lstStyle/>
+          <a:p>
+            <a:r>
+              <a:rPr lang="en-US" altLang="ko-KR" dirty="0" err="1"/>
+              <a:t>S201</a:t>
+            </a:r>
+            <a:endParaRPr lang="ko-KR" altLang="en-US" dirty="0"/>
+          </a:p>
+        </p:txBody>
+      </p:sp>
+      <p:sp>
+        <p:nvSpPr>
+          <p:cNvPr id="4" name="직사각형 3">
+            <a:extLst>
+              <a:ext uri="{FF2B5EF4-FFF2-40B4-BE49-F238E27FC236}">
+                <a16:creationId xmlns:a16="http://schemas.microsoft.com/office/drawing/2014/main" id="{0A31915F-3076-7B41-1E21-D55036EB9A86}"/>
+              </a:ext>
+            </a:extLst>
+          </p:cNvPr>
+          <p:cNvSpPr/>
+          <p:nvPr/>
+        </p:nvSpPr>
+        <p:spPr>
+          <a:xfrm>
+            <a:off x="1457325" y="2781300"/>
+            <a:ext cx="695325" cy="876300"/>
+          </a:xfrm>
+          <a:prstGeom prst="rect">
+            <a:avLst/>
+          </a:prstGeom>
+          <a:solidFill>
+            <a:schemeClr val="accent4">
+              <a:alpha val="50000"/>
+            </a:schemeClr>
+          </a:solidFill>
+          <a:ln>
+            <a:noFill/>
+          </a:ln>
+        </p:spPr>
+        <p:style>
+          <a:lnRef idx="0">
+            <a:scrgbClr r="0" g="0" b="0"/>
+          </a:lnRef>
+          <a:fillRef idx="0">
+            <a:scrgbClr r="0" g="0" b="0"/>
+          </a:fillRef>
+          <a:effectRef idx="0">
+            <a:scrgbClr r="0" g="0" b="0"/>
+          </a:effectRef>
+          <a:fontRef idx="minor">
+            <a:schemeClr val="lt1"/>
+          </a:fontRef>
+        </p:style>
+        <p:txBody>
+          <a:bodyPr rtlCol="0" anchor="ctr"/>
+          <a:lstStyle/>
+          <a:p>
+            <a:pPr algn="ctr"/>
+            <a:r>
+              <a:rPr lang="en-US" altLang="ko-KR" dirty="0"/>
+              <a:t>R1</a:t>
+            </a:r>
+            <a:endParaRPr lang="ko-KR" altLang="en-US" dirty="0"/>
+          </a:p>
+        </p:txBody>
+      </p:sp>
+      <p:sp>
+        <p:nvSpPr>
+          <p:cNvPr id="5" name="직사각형 4">
+            <a:extLst>
+              <a:ext uri="{FF2B5EF4-FFF2-40B4-BE49-F238E27FC236}">
+                <a16:creationId xmlns:a16="http://schemas.microsoft.com/office/drawing/2014/main" id="{C1ACB653-69B0-1FF6-A8CF-0DAD51ECD5C9}"/>
+              </a:ext>
+            </a:extLst>
+          </p:cNvPr>
+          <p:cNvSpPr/>
+          <p:nvPr/>
+        </p:nvSpPr>
+        <p:spPr>
+          <a:xfrm>
+            <a:off x="3362324" y="2781300"/>
+            <a:ext cx="695325" cy="876300"/>
+          </a:xfrm>
+          <a:prstGeom prst="rect">
+            <a:avLst/>
+          </a:prstGeom>
+          <a:solidFill>
+            <a:schemeClr val="accent4">
+              <a:alpha val="50000"/>
+            </a:schemeClr>
+          </a:solidFill>
+          <a:ln>
+            <a:noFill/>
+          </a:ln>
+        </p:spPr>
+        <p:style>
+          <a:lnRef idx="0">
+            <a:scrgbClr r="0" g="0" b="0"/>
+          </a:lnRef>
+          <a:fillRef idx="0">
+            <a:scrgbClr r="0" g="0" b="0"/>
+          </a:fillRef>
+          <a:effectRef idx="0">
+            <a:scrgbClr r="0" g="0" b="0"/>
+          </a:effectRef>
+          <a:fontRef idx="minor">
+            <a:schemeClr val="lt1"/>
+          </a:fontRef>
+        </p:style>
+        <p:txBody>
+          <a:bodyPr rtlCol="0" anchor="ctr"/>
+          <a:lstStyle/>
+          <a:p>
+            <a:pPr algn="ctr"/>
+            <a:r>
+              <a:rPr lang="en-US" altLang="ko-KR" dirty="0"/>
+              <a:t>R2</a:t>
+            </a:r>
+            <a:endParaRPr lang="ko-KR" altLang="en-US" dirty="0"/>
+          </a:p>
+        </p:txBody>
+      </p:sp>
+      <p:sp>
+        <p:nvSpPr>
+          <p:cNvPr id="6" name="직사각형 5">
+            <a:extLst>
+              <a:ext uri="{FF2B5EF4-FFF2-40B4-BE49-F238E27FC236}">
+                <a16:creationId xmlns:a16="http://schemas.microsoft.com/office/drawing/2014/main" id="{6BD66D9F-77D0-2B21-E56B-A398896B95C7}"/>
+              </a:ext>
+            </a:extLst>
+          </p:cNvPr>
+          <p:cNvSpPr/>
+          <p:nvPr/>
+        </p:nvSpPr>
+        <p:spPr>
+          <a:xfrm>
+            <a:off x="3362323" y="4144962"/>
+            <a:ext cx="695325" cy="876300"/>
+          </a:xfrm>
+          <a:prstGeom prst="rect">
+            <a:avLst/>
+          </a:prstGeom>
+          <a:solidFill>
+            <a:schemeClr val="accent4">
+              <a:alpha val="50000"/>
+            </a:schemeClr>
+          </a:solidFill>
+          <a:ln>
+            <a:noFill/>
+          </a:ln>
+        </p:spPr>
+        <p:style>
+          <a:lnRef idx="0">
+            <a:scrgbClr r="0" g="0" b="0"/>
+          </a:lnRef>
+          <a:fillRef idx="0">
+            <a:scrgbClr r="0" g="0" b="0"/>
+          </a:fillRef>
+          <a:effectRef idx="0">
+            <a:scrgbClr r="0" g="0" b="0"/>
+          </a:effectRef>
+          <a:fontRef idx="minor">
+            <a:schemeClr val="lt1"/>
+          </a:fontRef>
+        </p:style>
+        <p:txBody>
+          <a:bodyPr rtlCol="0" anchor="ctr"/>
+          <a:lstStyle/>
+          <a:p>
+            <a:pPr algn="ctr"/>
+            <a:r>
+              <a:rPr lang="en-US" altLang="ko-KR" dirty="0"/>
+              <a:t>R3</a:t>
+            </a:r>
+            <a:endParaRPr lang="ko-KR" altLang="en-US" dirty="0"/>
+          </a:p>
+        </p:txBody>
+      </p:sp>
+      <p:sp>
+        <p:nvSpPr>
+          <p:cNvPr id="7" name="직사각형 6">
+            <a:extLst>
+              <a:ext uri="{FF2B5EF4-FFF2-40B4-BE49-F238E27FC236}">
+                <a16:creationId xmlns:a16="http://schemas.microsoft.com/office/drawing/2014/main" id="{7A09CCDC-E45F-7790-1769-ABADB3EB8AA2}"/>
+              </a:ext>
+            </a:extLst>
+          </p:cNvPr>
+          <p:cNvSpPr/>
+          <p:nvPr/>
+        </p:nvSpPr>
+        <p:spPr>
+          <a:xfrm>
+            <a:off x="5267323" y="2781300"/>
+            <a:ext cx="695325" cy="876300"/>
+          </a:xfrm>
+          <a:prstGeom prst="rect">
+            <a:avLst/>
+          </a:prstGeom>
+          <a:solidFill>
+            <a:schemeClr val="accent4">
+              <a:alpha val="50000"/>
+            </a:schemeClr>
+          </a:solidFill>
+          <a:ln>
+            <a:noFill/>
+          </a:ln>
+        </p:spPr>
+        <p:style>
+          <a:lnRef idx="0">
+            <a:scrgbClr r="0" g="0" b="0"/>
+          </a:lnRef>
+          <a:fillRef idx="0">
+            <a:scrgbClr r="0" g="0" b="0"/>
+          </a:fillRef>
+          <a:effectRef idx="0">
+            <a:scrgbClr r="0" g="0" b="0"/>
+          </a:effectRef>
+          <a:fontRef idx="minor">
+            <a:schemeClr val="lt1"/>
+          </a:fontRef>
+        </p:style>
+        <p:txBody>
+          <a:bodyPr rtlCol="0" anchor="ctr"/>
+          <a:lstStyle/>
+          <a:p>
+            <a:pPr algn="ctr"/>
+            <a:r>
+              <a:rPr lang="en-US" altLang="ko-KR" dirty="0"/>
+              <a:t>R5</a:t>
+            </a:r>
+            <a:endParaRPr lang="ko-KR" altLang="en-US" dirty="0"/>
+          </a:p>
+        </p:txBody>
+      </p:sp>
+      <p:sp>
+        <p:nvSpPr>
+          <p:cNvPr id="8" name="직사각형 7">
+            <a:extLst>
+              <a:ext uri="{FF2B5EF4-FFF2-40B4-BE49-F238E27FC236}">
+                <a16:creationId xmlns:a16="http://schemas.microsoft.com/office/drawing/2014/main" id="{B920CC6F-9DD9-3CCD-7475-1B8780A32E37}"/>
+              </a:ext>
+            </a:extLst>
+          </p:cNvPr>
+          <p:cNvSpPr/>
+          <p:nvPr/>
+        </p:nvSpPr>
+        <p:spPr>
+          <a:xfrm>
+            <a:off x="3362322" y="5410200"/>
+            <a:ext cx="695325" cy="876300"/>
+          </a:xfrm>
+          <a:prstGeom prst="rect">
+            <a:avLst/>
+          </a:prstGeom>
+          <a:solidFill>
+            <a:schemeClr val="accent4">
+              <a:alpha val="50000"/>
+            </a:schemeClr>
+          </a:solidFill>
+          <a:ln>
+            <a:noFill/>
+          </a:ln>
+        </p:spPr>
+        <p:style>
+          <a:lnRef idx="0">
+            <a:scrgbClr r="0" g="0" b="0"/>
+          </a:lnRef>
+          <a:fillRef idx="0">
+            <a:scrgbClr r="0" g="0" b="0"/>
+          </a:fillRef>
+          <a:effectRef idx="0">
+            <a:scrgbClr r="0" g="0" b="0"/>
+          </a:effectRef>
+          <a:fontRef idx="minor">
+            <a:schemeClr val="lt1"/>
+          </a:fontRef>
+        </p:style>
+        <p:txBody>
+          <a:bodyPr rtlCol="0" anchor="ctr"/>
+          <a:lstStyle/>
+          <a:p>
+            <a:pPr algn="ctr"/>
+            <a:r>
+              <a:rPr lang="en-US" altLang="ko-KR" dirty="0"/>
+              <a:t>R4</a:t>
+            </a:r>
+            <a:endParaRPr lang="ko-KR" altLang="en-US" dirty="0"/>
+          </a:p>
+        </p:txBody>
+      </p:sp>
+      <p:sp>
+        <p:nvSpPr>
+          <p:cNvPr id="9" name="직사각형 8">
+            <a:extLst>
+              <a:ext uri="{FF2B5EF4-FFF2-40B4-BE49-F238E27FC236}">
+                <a16:creationId xmlns:a16="http://schemas.microsoft.com/office/drawing/2014/main" id="{00452AC0-0510-A569-E7EE-997760C1AB10}"/>
+              </a:ext>
+            </a:extLst>
+          </p:cNvPr>
+          <p:cNvSpPr/>
+          <p:nvPr/>
+        </p:nvSpPr>
+        <p:spPr>
+          <a:xfrm>
+            <a:off x="5267322" y="4144962"/>
+            <a:ext cx="695325" cy="876300"/>
+          </a:xfrm>
+          <a:prstGeom prst="rect">
+            <a:avLst/>
+          </a:prstGeom>
+          <a:solidFill>
+            <a:schemeClr val="accent4">
+              <a:alpha val="50000"/>
+            </a:schemeClr>
+          </a:solidFill>
+          <a:ln>
+            <a:noFill/>
+          </a:ln>
+        </p:spPr>
+        <p:style>
+          <a:lnRef idx="0">
+            <a:scrgbClr r="0" g="0" b="0"/>
+          </a:lnRef>
+          <a:fillRef idx="0">
+            <a:scrgbClr r="0" g="0" b="0"/>
+          </a:fillRef>
+          <a:effectRef idx="0">
+            <a:scrgbClr r="0" g="0" b="0"/>
+          </a:effectRef>
+          <a:fontRef idx="minor">
+            <a:schemeClr val="lt1"/>
+          </a:fontRef>
+        </p:style>
+        <p:txBody>
+          <a:bodyPr rtlCol="0" anchor="ctr"/>
+          <a:lstStyle/>
+          <a:p>
+            <a:pPr algn="ctr"/>
+            <a:r>
+              <a:rPr lang="en-US" altLang="ko-KR" dirty="0"/>
+              <a:t>R6</a:t>
+            </a:r>
+            <a:endParaRPr lang="ko-KR" altLang="en-US" dirty="0"/>
+          </a:p>
+        </p:txBody>
+      </p:sp>
+      <p:cxnSp>
+        <p:nvCxnSpPr>
+          <p:cNvPr id="11" name="직선 연결선 10">
+            <a:extLst>
+              <a:ext uri="{FF2B5EF4-FFF2-40B4-BE49-F238E27FC236}">
+                <a16:creationId xmlns:a16="http://schemas.microsoft.com/office/drawing/2014/main" id="{266EB772-C9D7-DFFA-0675-BA586FE44C63}"/>
+              </a:ext>
+            </a:extLst>
+          </p:cNvPr>
+          <p:cNvCxnSpPr>
+            <a:stCxn id="7" idx="2"/>
+            <a:endCxn id="9" idx="0"/>
+          </p:cNvCxnSpPr>
+          <p:nvPr/>
+        </p:nvCxnSpPr>
+        <p:spPr>
+          <a:xfrm flipH="1">
+            <a:off x="5614985" y="3657600"/>
+            <a:ext cx="1" cy="487362"/>
+          </a:xfrm>
+          <a:prstGeom prst="line">
+            <a:avLst/>
+          </a:prstGeom>
+          <a:ln w="57150"/>
+        </p:spPr>
+        <p:style>
+          <a:lnRef idx="1">
+            <a:schemeClr val="accent1"/>
+          </a:lnRef>
+          <a:fillRef idx="0">
+            <a:schemeClr val="accent1"/>
+          </a:fillRef>
+          <a:effectRef idx="0">
+            <a:schemeClr val="accent1"/>
+          </a:effectRef>
+          <a:fontRef idx="minor">
+            <a:schemeClr val="tx1"/>
+          </a:fontRef>
+        </p:style>
+      </p:cxnSp>
+      <p:cxnSp>
+        <p:nvCxnSpPr>
+          <p:cNvPr id="12" name="직선 연결선 11">
+            <a:extLst>
+              <a:ext uri="{FF2B5EF4-FFF2-40B4-BE49-F238E27FC236}">
+                <a16:creationId xmlns:a16="http://schemas.microsoft.com/office/drawing/2014/main" id="{509C42A3-844F-3430-A413-C8899E63F0A7}"/>
+              </a:ext>
+            </a:extLst>
+          </p:cNvPr>
+          <p:cNvCxnSpPr>
+            <a:cxnSpLocks/>
+            <a:stCxn id="5" idx="2"/>
+            <a:endCxn id="6" idx="0"/>
+          </p:cNvCxnSpPr>
+          <p:nvPr/>
+        </p:nvCxnSpPr>
+        <p:spPr>
+          <a:xfrm flipH="1">
+            <a:off x="3709986" y="3657600"/>
+            <a:ext cx="1" cy="487362"/>
+          </a:xfrm>
+          <a:prstGeom prst="line">
+            <a:avLst/>
+          </a:prstGeom>
+          <a:ln w="57150"/>
+        </p:spPr>
+        <p:style>
+          <a:lnRef idx="1">
+            <a:schemeClr val="accent1"/>
+          </a:lnRef>
+          <a:fillRef idx="0">
+            <a:schemeClr val="accent1"/>
+          </a:fillRef>
+          <a:effectRef idx="0">
+            <a:schemeClr val="accent1"/>
+          </a:effectRef>
+          <a:fontRef idx="minor">
+            <a:schemeClr val="tx1"/>
+          </a:fontRef>
+        </p:style>
+      </p:cxnSp>
+      <p:cxnSp>
+        <p:nvCxnSpPr>
+          <p:cNvPr id="15" name="직선 연결선 14">
+            <a:extLst>
+              <a:ext uri="{FF2B5EF4-FFF2-40B4-BE49-F238E27FC236}">
+                <a16:creationId xmlns:a16="http://schemas.microsoft.com/office/drawing/2014/main" id="{7401A9B3-FA95-A08E-5929-CF80FE872F2F}"/>
+              </a:ext>
+            </a:extLst>
+          </p:cNvPr>
+          <p:cNvCxnSpPr>
+            <a:cxnSpLocks/>
+            <a:stCxn id="6" idx="2"/>
+            <a:endCxn id="8" idx="0"/>
+          </p:cNvCxnSpPr>
+          <p:nvPr/>
+        </p:nvCxnSpPr>
+        <p:spPr>
+          <a:xfrm flipH="1">
+            <a:off x="3709985" y="5021262"/>
+            <a:ext cx="1" cy="388938"/>
+          </a:xfrm>
+          <a:prstGeom prst="line">
+            <a:avLst/>
+          </a:prstGeom>
+          <a:ln w="57150"/>
+        </p:spPr>
+        <p:style>
+          <a:lnRef idx="1">
+            <a:schemeClr val="accent1"/>
+          </a:lnRef>
+          <a:fillRef idx="0">
+            <a:schemeClr val="accent1"/>
+          </a:fillRef>
+          <a:effectRef idx="0">
+            <a:schemeClr val="accent1"/>
+          </a:effectRef>
+          <a:fontRef idx="minor">
+            <a:schemeClr val="tx1"/>
+          </a:fontRef>
+        </p:style>
+      </p:cxnSp>
+      <p:cxnSp>
+        <p:nvCxnSpPr>
+          <p:cNvPr id="20" name="직선 화살표 연결선 19">
+            <a:extLst>
+              <a:ext uri="{FF2B5EF4-FFF2-40B4-BE49-F238E27FC236}">
+                <a16:creationId xmlns:a16="http://schemas.microsoft.com/office/drawing/2014/main" id="{01A1F5B9-5A20-F929-E463-7F3D587F4CE2}"/>
+              </a:ext>
+            </a:extLst>
+          </p:cNvPr>
+          <p:cNvCxnSpPr>
+            <a:stCxn id="4" idx="3"/>
+            <a:endCxn id="5" idx="1"/>
+          </p:cNvCxnSpPr>
+          <p:nvPr/>
+        </p:nvCxnSpPr>
+        <p:spPr>
+          <a:xfrm>
+            <a:off x="2152650" y="3219450"/>
+            <a:ext cx="1209674" cy="0"/>
+          </a:xfrm>
+          <a:prstGeom prst="straightConnector1">
+            <a:avLst/>
+          </a:prstGeom>
+          <a:ln w="57150">
+            <a:tailEnd type="triangle"/>
+          </a:ln>
+        </p:spPr>
+        <p:style>
+          <a:lnRef idx="1">
+            <a:schemeClr val="accent1"/>
+          </a:lnRef>
+          <a:fillRef idx="0">
+            <a:schemeClr val="accent1"/>
+          </a:fillRef>
+          <a:effectRef idx="0">
+            <a:schemeClr val="accent1"/>
+          </a:effectRef>
+          <a:fontRef idx="minor">
+            <a:schemeClr val="tx1"/>
+          </a:fontRef>
+        </p:style>
+      </p:cxnSp>
+      <p:cxnSp>
+        <p:nvCxnSpPr>
+          <p:cNvPr id="21" name="직선 화살표 연결선 20">
+            <a:extLst>
+              <a:ext uri="{FF2B5EF4-FFF2-40B4-BE49-F238E27FC236}">
+                <a16:creationId xmlns:a16="http://schemas.microsoft.com/office/drawing/2014/main" id="{8FAA0A7E-EBCF-3A78-029F-10620FDC7700}"/>
+              </a:ext>
+            </a:extLst>
+          </p:cNvPr>
+          <p:cNvCxnSpPr>
+            <a:cxnSpLocks/>
+            <a:stCxn id="5" idx="3"/>
+            <a:endCxn id="7" idx="1"/>
+          </p:cNvCxnSpPr>
+          <p:nvPr/>
+        </p:nvCxnSpPr>
+        <p:spPr>
+          <a:xfrm>
+            <a:off x="4057649" y="3219450"/>
+            <a:ext cx="1209674" cy="0"/>
+          </a:xfrm>
+          <a:prstGeom prst="straightConnector1">
+            <a:avLst/>
+          </a:prstGeom>
+          <a:ln w="57150">
+            <a:tailEnd type="triangle"/>
+          </a:ln>
+        </p:spPr>
+        <p:style>
+          <a:lnRef idx="1">
+            <a:schemeClr val="accent1"/>
+          </a:lnRef>
+          <a:fillRef idx="0">
+            <a:schemeClr val="accent1"/>
+          </a:fillRef>
+          <a:effectRef idx="0">
+            <a:schemeClr val="accent1"/>
+          </a:effectRef>
+          <a:fontRef idx="minor">
+            <a:schemeClr val="tx1"/>
+          </a:fontRef>
+        </p:style>
+      </p:cxnSp>
+      <p:sp>
+        <p:nvSpPr>
+          <p:cNvPr id="24" name="TextBox 23">
+            <a:extLst>
+              <a:ext uri="{FF2B5EF4-FFF2-40B4-BE49-F238E27FC236}">
+                <a16:creationId xmlns:a16="http://schemas.microsoft.com/office/drawing/2014/main" id="{0E3FAA85-A9A1-04BF-636A-57F3FCF556EF}"/>
+              </a:ext>
+            </a:extLst>
+          </p:cNvPr>
+          <p:cNvSpPr txBox="1"/>
+          <p:nvPr/>
+        </p:nvSpPr>
+        <p:spPr>
+          <a:xfrm>
+            <a:off x="254547" y="4754066"/>
+            <a:ext cx="2938625" cy="923330"/>
+          </a:xfrm>
+          <a:prstGeom prst="rect">
+            <a:avLst/>
+          </a:prstGeom>
+          <a:noFill/>
+        </p:spPr>
+        <p:txBody>
+          <a:bodyPr wrap="none" rtlCol="0">
+            <a:spAutoFit/>
+          </a:bodyPr>
+          <a:lstStyle/>
+          <a:p>
+            <a:r>
+              <a:rPr lang="ko-KR" altLang="en-US" dirty="0"/>
+              <a:t>동시행위그룹</a:t>
+            </a:r>
+            <a:endParaRPr lang="en-US" altLang="ko-KR" dirty="0"/>
+          </a:p>
+          <a:p>
+            <a:endParaRPr lang="en-US" altLang="ko-KR" dirty="0"/>
+          </a:p>
+          <a:p>
+            <a:r>
+              <a:rPr lang="ko-KR" altLang="en-US" dirty="0"/>
+              <a:t>방법</a:t>
+            </a:r>
+            <a:r>
+              <a:rPr lang="en-US" altLang="ko-KR" dirty="0"/>
+              <a:t>: </a:t>
+            </a:r>
+            <a:r>
+              <a:rPr lang="ko-KR" altLang="en-US" dirty="0"/>
+              <a:t>무방향라인으로 연결</a:t>
+            </a:r>
+          </a:p>
+        </p:txBody>
+      </p:sp>
+    </p:spTree>
+    <p:extLst>
+      <p:ext uri="{BB962C8B-B14F-4D97-AF65-F5344CB8AC3E}">
+        <p14:creationId xmlns:p14="http://schemas.microsoft.com/office/powerpoint/2010/main" val="2071418565"/>
+      </p:ext>
+    </p:extLst>
+  </p:cSld>
+  <p:clrMapOvr>
+    <a:masterClrMapping/>
+  </p:clrMapOvr>
+</p:sld>
+</file>
+
+<file path=ppt/slides/slide12.xml><?xml version="1.0" encoding="utf-8"?>
+<p:sld xmlns:a="http://schemas.openxmlformats.org/drawingml/2006/main" xmlns:r="http://schemas.openxmlformats.org/officeDocument/2006/relationships" xmlns:p="http://schemas.openxmlformats.org/presentationml/2006/main">
+  <p:cSld>
+    <p:spTree>
+      <p:nvGrpSpPr>
+        <p:cNvPr id="1" name=""/>
+        <p:cNvGrpSpPr/>
+        <p:nvPr/>
+      </p:nvGrpSpPr>
+      <p:grpSpPr>
+        <a:xfrm>
+          <a:off x="0" y="0"/>
+          <a:ext cx="0" cy="0"/>
+          <a:chOff x="0" y="0"/>
+          <a:chExt cx="0" cy="0"/>
+        </a:xfrm>
+      </p:grpSpPr>
+      <p:sp>
+        <p:nvSpPr>
+          <p:cNvPr id="2" name="제목 1">
+            <a:extLst>
+              <a:ext uri="{FF2B5EF4-FFF2-40B4-BE49-F238E27FC236}">
+                <a16:creationId xmlns:a16="http://schemas.microsoft.com/office/drawing/2014/main" id="{E35BEC89-0CFB-7F29-D8C7-71B3E64B4D66}"/>
+              </a:ext>
+            </a:extLst>
+          </p:cNvPr>
+          <p:cNvSpPr>
+            <a:spLocks noGrp="1"/>
+          </p:cNvSpPr>
+          <p:nvPr>
+            <p:ph type="title"/>
+          </p:nvPr>
+        </p:nvSpPr>
+        <p:spPr/>
+        <p:txBody>
+          <a:bodyPr/>
+          <a:lstStyle/>
+          <a:p>
+            <a:r>
+              <a:rPr lang="en-US" altLang="ko-KR" dirty="0" err="1"/>
+              <a:t>S202</a:t>
+            </a:r>
+            <a:endParaRPr lang="ko-KR" altLang="en-US" dirty="0"/>
+          </a:p>
+        </p:txBody>
+      </p:sp>
+      <p:sp>
+        <p:nvSpPr>
+          <p:cNvPr id="3" name="&quot;허용 안 됨&quot; 기호 2">
+            <a:extLst>
+              <a:ext uri="{FF2B5EF4-FFF2-40B4-BE49-F238E27FC236}">
+                <a16:creationId xmlns:a16="http://schemas.microsoft.com/office/drawing/2014/main" id="{71150BE1-6B5C-1750-73A3-25D64C876AFF}"/>
+              </a:ext>
+            </a:extLst>
+          </p:cNvPr>
+          <p:cNvSpPr/>
+          <p:nvPr/>
+        </p:nvSpPr>
+        <p:spPr>
+          <a:xfrm>
+            <a:off x="9841012" y="2347597"/>
+            <a:ext cx="1772204" cy="1690778"/>
+          </a:xfrm>
+          <a:prstGeom prst="noSmoking">
+            <a:avLst/>
+          </a:prstGeom>
+          <a:ln>
+            <a:solidFill>
+              <a:schemeClr val="tx1"/>
+            </a:solidFill>
+          </a:ln>
+        </p:spPr>
+        <p:style>
+          <a:lnRef idx="2">
+            <a:schemeClr val="accent1">
+              <a:shade val="50000"/>
+            </a:schemeClr>
+          </a:lnRef>
+          <a:fillRef idx="1">
+            <a:schemeClr val="accent1"/>
+          </a:fillRef>
+          <a:effectRef idx="0">
+            <a:schemeClr val="accent1"/>
+          </a:effectRef>
+          <a:fontRef idx="minor">
+            <a:schemeClr val="lt1"/>
+          </a:fontRef>
+        </p:style>
+        <p:txBody>
+          <a:bodyPr rtlCol="0" anchor="ctr"/>
+          <a:lstStyle/>
+          <a:p>
+            <a:pPr algn="ctr"/>
+            <a:r>
+              <a:rPr lang="en-US" altLang="ko-KR" dirty="0">
+                <a:solidFill>
+                  <a:schemeClr val="tx1"/>
+                </a:solidFill>
+              </a:rPr>
+              <a:t>EMG1</a:t>
+            </a:r>
+            <a:endParaRPr lang="ko-KR" altLang="en-US" dirty="0">
+              <a:solidFill>
+                <a:schemeClr val="tx1"/>
+              </a:solidFill>
+            </a:endParaRPr>
+          </a:p>
+        </p:txBody>
+      </p:sp>
+      <p:sp>
+        <p:nvSpPr>
+          <p:cNvPr id="10" name="사각형: 빗면 9">
+            <a:extLst>
+              <a:ext uri="{FF2B5EF4-FFF2-40B4-BE49-F238E27FC236}">
+                <a16:creationId xmlns:a16="http://schemas.microsoft.com/office/drawing/2014/main" id="{8A720798-24E9-449D-3026-B2F852A7056C}"/>
+              </a:ext>
+            </a:extLst>
+          </p:cNvPr>
+          <p:cNvSpPr/>
+          <p:nvPr/>
+        </p:nvSpPr>
+        <p:spPr>
+          <a:xfrm>
+            <a:off x="8384543" y="2641405"/>
+            <a:ext cx="1104181" cy="1245933"/>
+          </a:xfrm>
+          <a:prstGeom prst="bevel">
+            <a:avLst/>
+          </a:prstGeom>
+          <a:ln>
+            <a:solidFill>
+              <a:schemeClr val="tx1"/>
+            </a:solidFill>
+          </a:ln>
+        </p:spPr>
+        <p:style>
+          <a:lnRef idx="2">
+            <a:schemeClr val="accent1">
+              <a:shade val="50000"/>
+            </a:schemeClr>
+          </a:lnRef>
+          <a:fillRef idx="1">
+            <a:schemeClr val="accent1"/>
+          </a:fillRef>
+          <a:effectRef idx="0">
+            <a:schemeClr val="accent1"/>
+          </a:effectRef>
+          <a:fontRef idx="minor">
+            <a:schemeClr val="lt1"/>
+          </a:fontRef>
+        </p:style>
+        <p:txBody>
+          <a:bodyPr rtlCol="0" anchor="ctr"/>
+          <a:lstStyle/>
+          <a:p>
+            <a:pPr algn="ctr"/>
+            <a:r>
+              <a:rPr lang="en-US" altLang="ko-KR" dirty="0"/>
+              <a:t>RESET1</a:t>
+            </a:r>
+            <a:endParaRPr lang="ko-KR" altLang="en-US" dirty="0"/>
+          </a:p>
+        </p:txBody>
+      </p:sp>
+      <p:sp>
+        <p:nvSpPr>
+          <p:cNvPr id="11" name="원형: 비어 있음 10">
+            <a:extLst>
+              <a:ext uri="{FF2B5EF4-FFF2-40B4-BE49-F238E27FC236}">
+                <a16:creationId xmlns:a16="http://schemas.microsoft.com/office/drawing/2014/main" id="{71F39176-5B54-BDCA-08DD-D38B0EA1599E}"/>
+              </a:ext>
+            </a:extLst>
+          </p:cNvPr>
+          <p:cNvSpPr/>
+          <p:nvPr/>
+        </p:nvSpPr>
+        <p:spPr>
+          <a:xfrm>
+            <a:off x="6362398" y="2347597"/>
+            <a:ext cx="1673524" cy="1690778"/>
+          </a:xfrm>
+          <a:prstGeom prst="donut">
+            <a:avLst/>
+          </a:prstGeom>
+          <a:ln>
+            <a:solidFill>
+              <a:schemeClr val="tx1"/>
+            </a:solidFill>
+          </a:ln>
+        </p:spPr>
+        <p:style>
+          <a:lnRef idx="2">
+            <a:schemeClr val="accent1">
+              <a:shade val="50000"/>
+            </a:schemeClr>
+          </a:lnRef>
+          <a:fillRef idx="1">
+            <a:schemeClr val="accent1"/>
+          </a:fillRef>
+          <a:effectRef idx="0">
+            <a:schemeClr val="accent1"/>
+          </a:effectRef>
+          <a:fontRef idx="minor">
+            <a:schemeClr val="lt1"/>
+          </a:fontRef>
+        </p:style>
+        <p:txBody>
+          <a:bodyPr rtlCol="0" anchor="ctr"/>
+          <a:lstStyle/>
+          <a:p>
+            <a:pPr algn="ctr"/>
+            <a:r>
+              <a:rPr lang="en-US" altLang="ko-KR" dirty="0" err="1">
+                <a:solidFill>
+                  <a:schemeClr val="tx1"/>
+                </a:solidFill>
+              </a:rPr>
+              <a:t>AUTO1</a:t>
+            </a:r>
+            <a:endParaRPr lang="ko-KR" altLang="en-US" dirty="0">
+              <a:solidFill>
+                <a:schemeClr val="tx1"/>
+              </a:solidFill>
+            </a:endParaRPr>
+          </a:p>
+        </p:txBody>
+      </p:sp>
+    </p:spTree>
+    <p:extLst>
+      <p:ext uri="{BB962C8B-B14F-4D97-AF65-F5344CB8AC3E}">
+        <p14:creationId xmlns:p14="http://schemas.microsoft.com/office/powerpoint/2010/main" val="907386579"/>
+      </p:ext>
+    </p:extLst>
+  </p:cSld>
+  <p:clrMapOvr>
+    <a:masterClrMapping/>
+  </p:clrMapOvr>
+</p:sld>
+</file>
+
 <file path=ppt/slides/slide2.xml><?xml version="1.0" encoding="utf-8"?>
 <p:sld xmlns:a="http://schemas.openxmlformats.org/drawingml/2006/main" xmlns:r="http://schemas.openxmlformats.org/officeDocument/2006/relationships" xmlns:p="http://schemas.openxmlformats.org/presentationml/2006/main">
   <p:cSld>
@@ -14465,7 +16413,19 @@
               <a:rPr lang="en-US" altLang="ko-KR" sz="1200" dirty="0">
                 <a:ea typeface="현대하모니 M" panose="02020603020101020101"/>
               </a:rPr>
-              <a:t>[~R2;R5]</a:t>
+              <a:t>[</a:t>
+            </a:r>
+            <a:r>
+              <a:rPr lang="en-US" altLang="ko-KR" sz="1200" dirty="0" err="1">
+                <a:ea typeface="현대하모니 M" panose="02020603020101020101"/>
+              </a:rPr>
+              <a:t>R2~R5</a:t>
+            </a:r>
+            <a:r>
+              <a:rPr lang="en-US" altLang="ko-KR" sz="1200" dirty="0">
+                <a:ea typeface="현대하모니 M" panose="02020603020101020101"/>
+              </a:rPr>
+              <a:t>]</a:t>
             </a:r>
             <a:endParaRPr lang="ko-KR" altLang="en-US" sz="1200" dirty="0">
               <a:ea typeface="현대하모니 M" panose="02020603020101020101"/>
@@ -16070,6 +18030,1664 @@
     <p:extLst>
       <p:ext uri="{BB962C8B-B14F-4D97-AF65-F5344CB8AC3E}">
         <p14:creationId xmlns:p14="http://schemas.microsoft.com/office/powerpoint/2010/main" val="2425274170"/>
+      </p:ext>
+    </p:extLst>
+  </p:cSld>
+  <p:clrMapOvr>
+    <a:masterClrMapping/>
+  </p:clrMapOvr>
+</p:sld>
+</file>
+
+<file path=ppt/slides/slide7.xml><?xml version="1.0" encoding="utf-8"?>
+<p:sld xmlns:a="http://schemas.openxmlformats.org/drawingml/2006/main" xmlns:r="http://schemas.openxmlformats.org/officeDocument/2006/relationships" xmlns:p="http://schemas.openxmlformats.org/presentationml/2006/main">
+  <p:cSld>
+    <p:spTree>
+      <p:nvGrpSpPr>
+        <p:cNvPr id="1" name=""/>
+        <p:cNvGrpSpPr/>
+        <p:nvPr/>
+      </p:nvGrpSpPr>
+      <p:grpSpPr>
+        <a:xfrm>
+          <a:off x="0" y="0"/>
+          <a:ext cx="0" cy="0"/>
+          <a:chOff x="0" y="0"/>
+          <a:chExt cx="0" cy="0"/>
+        </a:xfrm>
+      </p:grpSpPr>
+      <p:sp>
+        <p:nvSpPr>
+          <p:cNvPr id="2" name="제목 1">
+            <a:extLst>
+              <a:ext uri="{FF2B5EF4-FFF2-40B4-BE49-F238E27FC236}">
+                <a16:creationId xmlns:a16="http://schemas.microsoft.com/office/drawing/2014/main" id="{E35BEC89-0CFB-7F29-D8C7-71B3E64B4D66}"/>
+              </a:ext>
+            </a:extLst>
+          </p:cNvPr>
+          <p:cNvSpPr>
+            <a:spLocks noGrp="1"/>
+          </p:cNvSpPr>
+          <p:nvPr>
+            <p:ph type="title"/>
+          </p:nvPr>
+        </p:nvSpPr>
+        <p:spPr/>
+        <p:txBody>
+          <a:bodyPr/>
+          <a:lstStyle/>
+          <a:p>
+            <a:r>
+              <a:rPr lang="en-US" altLang="ko-KR" dirty="0"/>
+              <a:t>S1</a:t>
+            </a:r>
+            <a:endParaRPr lang="ko-KR" altLang="en-US" dirty="0"/>
+          </a:p>
+        </p:txBody>
+      </p:sp>
+      <p:sp>
+        <p:nvSpPr>
+          <p:cNvPr id="5" name="직사각형 4">
+            <a:extLst>
+              <a:ext uri="{FF2B5EF4-FFF2-40B4-BE49-F238E27FC236}">
+                <a16:creationId xmlns:a16="http://schemas.microsoft.com/office/drawing/2014/main" id="{A2120A99-FD95-1369-3328-C124905A811D}"/>
+              </a:ext>
+            </a:extLst>
+          </p:cNvPr>
+          <p:cNvSpPr/>
+          <p:nvPr/>
+        </p:nvSpPr>
+        <p:spPr>
+          <a:xfrm>
+            <a:off x="7988400" y="4158041"/>
+            <a:ext cx="2437946" cy="1223682"/>
+          </a:xfrm>
+          <a:prstGeom prst="rect">
+            <a:avLst/>
+          </a:prstGeom>
+          <a:solidFill>
+            <a:schemeClr val="accent4">
+              <a:alpha val="50000"/>
+            </a:schemeClr>
+          </a:solidFill>
+          <a:ln>
+            <a:noFill/>
+          </a:ln>
+        </p:spPr>
+        <p:style>
+          <a:lnRef idx="0">
+            <a:scrgbClr r="0" g="0" b="0"/>
+          </a:lnRef>
+          <a:fillRef idx="0">
+            <a:scrgbClr r="0" g="0" b="0"/>
+          </a:fillRef>
+          <a:effectRef idx="0">
+            <a:scrgbClr r="0" g="0" b="0"/>
+          </a:effectRef>
+          <a:fontRef idx="minor">
+            <a:schemeClr val="lt1"/>
+          </a:fontRef>
+        </p:style>
+        <p:txBody>
+          <a:bodyPr rtlCol="0" anchor="ctr"/>
+          <a:lstStyle/>
+          <a:p>
+            <a:pPr algn="ctr"/>
+            <a:r>
+              <a:rPr lang="en-US" altLang="ko-KR" sz="1200" dirty="0"/>
+              <a:t>R2</a:t>
+            </a:r>
+            <a:endParaRPr lang="ko-KR" altLang="en-US" sz="1200" dirty="0"/>
+          </a:p>
+        </p:txBody>
+      </p:sp>
+      <p:cxnSp>
+        <p:nvCxnSpPr>
+          <p:cNvPr id="6" name="직선 화살표 연결선 5">
+            <a:extLst>
+              <a:ext uri="{FF2B5EF4-FFF2-40B4-BE49-F238E27FC236}">
+                <a16:creationId xmlns:a16="http://schemas.microsoft.com/office/drawing/2014/main" id="{E74E5CB1-7F24-0E65-9659-E049F77B2F9A}"/>
+              </a:ext>
+            </a:extLst>
+          </p:cNvPr>
+          <p:cNvCxnSpPr>
+            <a:cxnSpLocks/>
+            <a:stCxn id="7" idx="3"/>
+            <a:endCxn id="5" idx="1"/>
+          </p:cNvCxnSpPr>
+          <p:nvPr/>
+        </p:nvCxnSpPr>
+        <p:spPr>
+          <a:xfrm>
+            <a:off x="6534526" y="4220068"/>
+            <a:ext cx="1453874" cy="549814"/>
+          </a:xfrm>
+          <a:prstGeom prst="straightConnector1">
+            <a:avLst/>
+          </a:prstGeom>
+          <a:ln w="28575">
+            <a:solidFill>
+              <a:schemeClr val="tx1">
+                <a:lumMod val="75000"/>
+                <a:lumOff val="25000"/>
+              </a:schemeClr>
+            </a:solidFill>
+            <a:tailEnd type="triangle"/>
+          </a:ln>
+        </p:spPr>
+        <p:style>
+          <a:lnRef idx="1">
+            <a:schemeClr val="dk1"/>
+          </a:lnRef>
+          <a:fillRef idx="3">
+            <a:schemeClr val="dk1"/>
+          </a:fillRef>
+          <a:effectRef idx="2">
+            <a:schemeClr val="dk1"/>
+          </a:effectRef>
+          <a:fontRef idx="minor">
+            <a:schemeClr val="lt1"/>
+          </a:fontRef>
+        </p:style>
+      </p:cxnSp>
+      <p:grpSp>
+        <p:nvGrpSpPr>
+          <p:cNvPr id="8" name="그룹 7">
+            <a:extLst>
+              <a:ext uri="{FF2B5EF4-FFF2-40B4-BE49-F238E27FC236}">
+                <a16:creationId xmlns:a16="http://schemas.microsoft.com/office/drawing/2014/main" id="{E4E86703-9197-722D-B1EF-887463109F89}"/>
+              </a:ext>
+            </a:extLst>
+          </p:cNvPr>
+          <p:cNvGrpSpPr/>
+          <p:nvPr/>
+        </p:nvGrpSpPr>
+        <p:grpSpPr>
+          <a:xfrm>
+            <a:off x="810000" y="2424605"/>
+            <a:ext cx="5724526" cy="3590925"/>
+            <a:chOff x="848416" y="1962150"/>
+            <a:chExt cx="5724526" cy="3590925"/>
+          </a:xfrm>
+        </p:grpSpPr>
+        <p:sp>
+          <p:nvSpPr>
+            <p:cNvPr id="7" name="직사각형 6">
+              <a:extLst>
+                <a:ext uri="{FF2B5EF4-FFF2-40B4-BE49-F238E27FC236}">
+                  <a16:creationId xmlns:a16="http://schemas.microsoft.com/office/drawing/2014/main" id="{ABDB84CF-3826-2164-6107-3FAF7AEB955A}"/>
+                </a:ext>
+              </a:extLst>
+            </p:cNvPr>
+            <p:cNvSpPr/>
+            <p:nvPr/>
+          </p:nvSpPr>
+          <p:spPr>
+            <a:xfrm>
+              <a:off x="848416" y="1962150"/>
+              <a:ext cx="5724526" cy="3590925"/>
+            </a:xfrm>
+            <a:prstGeom prst="rect">
+              <a:avLst/>
+            </a:prstGeom>
+            <a:solidFill>
+              <a:schemeClr val="accent4">
+                <a:alpha val="50000"/>
+              </a:schemeClr>
+            </a:solidFill>
+            <a:ln>
+              <a:noFill/>
+            </a:ln>
+          </p:spPr>
+          <p:style>
+            <a:lnRef idx="0">
+              <a:scrgbClr r="0" g="0" b="0"/>
+            </a:lnRef>
+            <a:fillRef idx="0">
+              <a:scrgbClr r="0" g="0" b="0"/>
+            </a:fillRef>
+            <a:effectRef idx="0">
+              <a:scrgbClr r="0" g="0" b="0"/>
+            </a:effectRef>
+            <a:fontRef idx="minor">
+              <a:schemeClr val="lt1"/>
+            </a:fontRef>
+          </p:style>
+          <p:txBody>
+            <a:bodyPr rtlCol="0" anchor="t"/>
+            <a:lstStyle/>
+            <a:p>
+              <a:pPr algn="ctr"/>
+              <a:r>
+                <a:rPr lang="en-US" altLang="ko-KR" sz="2800" dirty="0">
+                  <a:solidFill>
+                    <a:schemeClr val="tx1"/>
+                  </a:solidFill>
+                </a:rPr>
+                <a:t>R1</a:t>
+              </a:r>
+              <a:endParaRPr lang="ko-KR" altLang="en-US" sz="1200" dirty="0">
+                <a:solidFill>
+                  <a:schemeClr val="tx1"/>
+                </a:solidFill>
+              </a:endParaRPr>
+            </a:p>
+          </p:txBody>
+        </p:sp>
+        <p:grpSp>
+          <p:nvGrpSpPr>
+            <p:cNvPr id="3" name="그룹 2">
+              <a:extLst>
+                <a:ext uri="{FF2B5EF4-FFF2-40B4-BE49-F238E27FC236}">
+                  <a16:creationId xmlns:a16="http://schemas.microsoft.com/office/drawing/2014/main" id="{217DAACF-5BCB-5A30-66B8-057CF83D7D6F}"/>
+                </a:ext>
+              </a:extLst>
+            </p:cNvPr>
+            <p:cNvGrpSpPr/>
+            <p:nvPr/>
+          </p:nvGrpSpPr>
+          <p:grpSpPr>
+            <a:xfrm>
+              <a:off x="1405973" y="2441441"/>
+              <a:ext cx="4398681" cy="2052964"/>
+              <a:chOff x="1314450" y="2476500"/>
+              <a:chExt cx="4476750" cy="2447925"/>
+            </a:xfrm>
+          </p:grpSpPr>
+          <p:sp>
+            <p:nvSpPr>
+              <p:cNvPr id="11" name="타원 10">
+                <a:extLst>
+                  <a:ext uri="{FF2B5EF4-FFF2-40B4-BE49-F238E27FC236}">
+                    <a16:creationId xmlns:a16="http://schemas.microsoft.com/office/drawing/2014/main" id="{A8DEAF01-6D94-28CA-7567-1D6E7A30C46B}"/>
+                  </a:ext>
+                </a:extLst>
+              </p:cNvPr>
+              <p:cNvSpPr/>
+              <p:nvPr/>
+            </p:nvSpPr>
+            <p:spPr>
+              <a:xfrm>
+                <a:off x="1314450" y="2476500"/>
+                <a:ext cx="1733550" cy="952500"/>
+              </a:xfrm>
+              <a:prstGeom prst="ellipse">
+                <a:avLst/>
+              </a:prstGeom>
+              <a:solidFill>
+                <a:schemeClr val="accent4">
+                  <a:alpha val="50000"/>
+                </a:schemeClr>
+              </a:solidFill>
+              <a:ln>
+                <a:noFill/>
+              </a:ln>
+            </p:spPr>
+            <p:style>
+              <a:lnRef idx="0">
+                <a:scrgbClr r="0" g="0" b="0"/>
+              </a:lnRef>
+              <a:fillRef idx="0">
+                <a:scrgbClr r="0" g="0" b="0"/>
+              </a:fillRef>
+              <a:effectRef idx="0">
+                <a:scrgbClr r="0" g="0" b="0"/>
+              </a:effectRef>
+              <a:fontRef idx="minor">
+                <a:schemeClr val="lt1"/>
+              </a:fontRef>
+            </p:style>
+            <p:txBody>
+              <a:bodyPr rtlCol="0" anchor="ctr"/>
+              <a:lstStyle/>
+              <a:p>
+                <a:pPr algn="ctr"/>
+                <a:r>
+                  <a:rPr lang="en-US" altLang="ko-KR" dirty="0"/>
+                  <a:t>SystemA $Func1</a:t>
+                </a:r>
+                <a:endParaRPr lang="ko-KR" altLang="en-US" dirty="0"/>
+              </a:p>
+            </p:txBody>
+          </p:sp>
+          <p:sp>
+            <p:nvSpPr>
+              <p:cNvPr id="12" name="타원 11">
+                <a:extLst>
+                  <a:ext uri="{FF2B5EF4-FFF2-40B4-BE49-F238E27FC236}">
+                    <a16:creationId xmlns:a16="http://schemas.microsoft.com/office/drawing/2014/main" id="{97830B60-D108-9F85-29FC-869E4BDC5485}"/>
+                  </a:ext>
+                </a:extLst>
+              </p:cNvPr>
+              <p:cNvSpPr/>
+              <p:nvPr/>
+            </p:nvSpPr>
+            <p:spPr>
+              <a:xfrm>
+                <a:off x="4057650" y="3971925"/>
+                <a:ext cx="1733550" cy="952500"/>
+              </a:xfrm>
+              <a:prstGeom prst="ellipse">
+                <a:avLst/>
+              </a:prstGeom>
+              <a:solidFill>
+                <a:schemeClr val="accent4">
+                  <a:alpha val="50000"/>
+                </a:schemeClr>
+              </a:solidFill>
+              <a:ln>
+                <a:noFill/>
+              </a:ln>
+            </p:spPr>
+            <p:style>
+              <a:lnRef idx="0">
+                <a:scrgbClr r="0" g="0" b="0"/>
+              </a:lnRef>
+              <a:fillRef idx="0">
+                <a:scrgbClr r="0" g="0" b="0"/>
+              </a:fillRef>
+              <a:effectRef idx="0">
+                <a:scrgbClr r="0" g="0" b="0"/>
+              </a:effectRef>
+              <a:fontRef idx="minor">
+                <a:schemeClr val="lt1"/>
+              </a:fontRef>
+            </p:style>
+            <p:txBody>
+              <a:bodyPr rtlCol="0" anchor="ctr"/>
+              <a:lstStyle/>
+              <a:p>
+                <a:pPr algn="ctr"/>
+                <a:r>
+                  <a:rPr lang="en-US" altLang="ko-KR" dirty="0"/>
+                  <a:t>SystemA $Func2</a:t>
+                </a:r>
+                <a:endParaRPr lang="ko-KR" altLang="en-US" dirty="0"/>
+              </a:p>
+            </p:txBody>
+          </p:sp>
+          <p:cxnSp>
+            <p:nvCxnSpPr>
+              <p:cNvPr id="14" name="연결선: 꺾임 13">
+                <a:extLst>
+                  <a:ext uri="{FF2B5EF4-FFF2-40B4-BE49-F238E27FC236}">
+                    <a16:creationId xmlns:a16="http://schemas.microsoft.com/office/drawing/2014/main" id="{AA5A9BF2-AF58-9F27-CB69-91D64393C28C}"/>
+                  </a:ext>
+                </a:extLst>
+              </p:cNvPr>
+              <p:cNvCxnSpPr>
+                <a:stCxn id="11" idx="5"/>
+                <a:endCxn id="12" idx="1"/>
+              </p:cNvCxnSpPr>
+              <p:nvPr/>
+            </p:nvCxnSpPr>
+            <p:spPr>
+              <a:xfrm rot="16200000" flipH="1">
+                <a:off x="3141873" y="2941764"/>
+                <a:ext cx="821905" cy="1517396"/>
+              </a:xfrm>
+              <a:prstGeom prst="bentConnector3">
+                <a:avLst/>
+              </a:prstGeom>
+              <a:ln>
+                <a:tailEnd type="triangle"/>
+              </a:ln>
+            </p:spPr>
+            <p:style>
+              <a:lnRef idx="1">
+                <a:schemeClr val="accent4"/>
+              </a:lnRef>
+              <a:fillRef idx="0">
+                <a:schemeClr val="accent4"/>
+              </a:fillRef>
+              <a:effectRef idx="0">
+                <a:schemeClr val="accent4"/>
+              </a:effectRef>
+              <a:fontRef idx="minor">
+                <a:schemeClr val="tx1"/>
+              </a:fontRef>
+            </p:style>
+          </p:cxnSp>
+        </p:grpSp>
+      </p:grpSp>
+      <p:sp>
+        <p:nvSpPr>
+          <p:cNvPr id="10" name="TextBox 9">
+            <a:extLst>
+              <a:ext uri="{FF2B5EF4-FFF2-40B4-BE49-F238E27FC236}">
+                <a16:creationId xmlns:a16="http://schemas.microsoft.com/office/drawing/2014/main" id="{44715A5F-0AA2-A939-886D-6B28A93D09EB}"/>
+              </a:ext>
+            </a:extLst>
+          </p:cNvPr>
+          <p:cNvSpPr txBox="1"/>
+          <p:nvPr/>
+        </p:nvSpPr>
+        <p:spPr>
+          <a:xfrm>
+            <a:off x="6899712" y="5764481"/>
+            <a:ext cx="5023945" cy="646331"/>
+          </a:xfrm>
+          <a:prstGeom prst="rect">
+            <a:avLst/>
+          </a:prstGeom>
+          <a:noFill/>
+        </p:spPr>
+        <p:txBody>
+          <a:bodyPr wrap="square" rtlCol="0">
+            <a:spAutoFit/>
+          </a:bodyPr>
+          <a:lstStyle/>
+          <a:p>
+            <a:r>
+              <a:rPr lang="en-US" altLang="ko-KR" dirty="0"/>
+              <a:t>Loading Name $ Api </a:t>
+            </a:r>
+          </a:p>
+          <a:p>
+            <a:r>
+              <a:rPr lang="ko-KR" altLang="en-US" dirty="0"/>
+              <a:t>시스템 </a:t>
+            </a:r>
+            <a:r>
+              <a:rPr lang="en-US" altLang="ko-KR" dirty="0"/>
+              <a:t>API </a:t>
+            </a:r>
+            <a:r>
+              <a:rPr lang="ko-KR" altLang="en-US" dirty="0"/>
+              <a:t>는 </a:t>
+            </a:r>
+            <a:r>
+              <a:rPr lang="en-US" altLang="ko-KR" dirty="0"/>
+              <a:t>’$ ‘ </a:t>
+            </a:r>
+            <a:r>
+              <a:rPr lang="ko-KR" altLang="en-US" dirty="0"/>
+              <a:t>기호로 호출한다</a:t>
+            </a:r>
+            <a:r>
+              <a:rPr lang="en-US" altLang="ko-KR" dirty="0"/>
+              <a:t>.</a:t>
+            </a:r>
+            <a:endParaRPr lang="ko-KR" altLang="en-US" dirty="0"/>
+          </a:p>
+        </p:txBody>
+      </p:sp>
+      <p:sp>
+        <p:nvSpPr>
+          <p:cNvPr id="9" name="사각형: 모서리가 접힌 도형 8">
+            <a:extLst>
+              <a:ext uri="{FF2B5EF4-FFF2-40B4-BE49-F238E27FC236}">
+                <a16:creationId xmlns:a16="http://schemas.microsoft.com/office/drawing/2014/main" id="{CD4551F7-015D-C082-6A49-B87E9C21A9AC}"/>
+              </a:ext>
+            </a:extLst>
+          </p:cNvPr>
+          <p:cNvSpPr/>
+          <p:nvPr/>
+        </p:nvSpPr>
+        <p:spPr>
+          <a:xfrm>
+            <a:off x="9316310" y="2557743"/>
+            <a:ext cx="2437946" cy="1223682"/>
+          </a:xfrm>
+          <a:prstGeom prst="foldedCorner">
+            <a:avLst/>
+          </a:prstGeom>
+          <a:solidFill>
+            <a:schemeClr val="accent3">
+              <a:alpha val="50000"/>
+            </a:schemeClr>
+          </a:solidFill>
+          <a:ln>
+            <a:noFill/>
+          </a:ln>
+        </p:spPr>
+        <p:style>
+          <a:lnRef idx="0">
+            <a:scrgbClr r="0" g="0" b="0"/>
+          </a:lnRef>
+          <a:fillRef idx="0">
+            <a:scrgbClr r="0" g="0" b="0"/>
+          </a:fillRef>
+          <a:effectRef idx="0">
+            <a:scrgbClr r="0" g="0" b="0"/>
+          </a:effectRef>
+          <a:fontRef idx="minor">
+            <a:schemeClr val="lt1"/>
+          </a:fontRef>
+        </p:style>
+        <p:txBody>
+          <a:bodyPr rtlCol="0" anchor="ctr"/>
+          <a:lstStyle/>
+          <a:p>
+            <a:pPr algn="ctr"/>
+            <a:r>
+              <a:rPr lang="en-US" altLang="ko-KR" dirty="0"/>
+              <a:t>Lib/test </a:t>
+            </a:r>
+          </a:p>
+          <a:p>
+            <a:pPr algn="ctr"/>
+            <a:r>
+              <a:rPr lang="en-US" altLang="ko-KR" dirty="0"/>
+              <a:t>[SystemA]</a:t>
+            </a:r>
+            <a:endParaRPr lang="ko-KR" altLang="en-US" dirty="0"/>
+          </a:p>
+        </p:txBody>
+      </p:sp>
+    </p:spTree>
+    <p:extLst>
+      <p:ext uri="{BB962C8B-B14F-4D97-AF65-F5344CB8AC3E}">
+        <p14:creationId xmlns:p14="http://schemas.microsoft.com/office/powerpoint/2010/main" val="805683712"/>
+      </p:ext>
+    </p:extLst>
+  </p:cSld>
+  <p:clrMapOvr>
+    <a:masterClrMapping/>
+  </p:clrMapOvr>
+</p:sld>
+</file>
+
+<file path=ppt/slides/slide8.xml><?xml version="1.0" encoding="utf-8"?>
+<p:sld xmlns:a="http://schemas.openxmlformats.org/drawingml/2006/main" xmlns:r="http://schemas.openxmlformats.org/officeDocument/2006/relationships" xmlns:p="http://schemas.openxmlformats.org/presentationml/2006/main">
+  <p:cSld>
+    <p:spTree>
+      <p:nvGrpSpPr>
+        <p:cNvPr id="1" name=""/>
+        <p:cNvGrpSpPr/>
+        <p:nvPr/>
+      </p:nvGrpSpPr>
+      <p:grpSpPr>
+        <a:xfrm>
+          <a:off x="0" y="0"/>
+          <a:ext cx="0" cy="0"/>
+          <a:chOff x="0" y="0"/>
+          <a:chExt cx="0" cy="0"/>
+        </a:xfrm>
+      </p:grpSpPr>
+      <p:sp>
+        <p:nvSpPr>
+          <p:cNvPr id="2" name="제목 1">
+            <a:extLst>
+              <a:ext uri="{FF2B5EF4-FFF2-40B4-BE49-F238E27FC236}">
+                <a16:creationId xmlns:a16="http://schemas.microsoft.com/office/drawing/2014/main" id="{E35BEC89-0CFB-7F29-D8C7-71B3E64B4D66}"/>
+              </a:ext>
+            </a:extLst>
+          </p:cNvPr>
+          <p:cNvSpPr>
+            <a:spLocks noGrp="1"/>
+          </p:cNvSpPr>
+          <p:nvPr>
+            <p:ph type="title"/>
+          </p:nvPr>
+        </p:nvSpPr>
+        <p:spPr/>
+        <p:txBody>
+          <a:bodyPr/>
+          <a:lstStyle/>
+          <a:p>
+            <a:r>
+              <a:rPr lang="en-US" altLang="ko-KR" dirty="0"/>
+              <a:t>S2</a:t>
+            </a:r>
+            <a:endParaRPr lang="ko-KR" altLang="en-US" dirty="0"/>
+          </a:p>
+        </p:txBody>
+      </p:sp>
+      <p:sp>
+        <p:nvSpPr>
+          <p:cNvPr id="5" name="직사각형 4">
+            <a:extLst>
+              <a:ext uri="{FF2B5EF4-FFF2-40B4-BE49-F238E27FC236}">
+                <a16:creationId xmlns:a16="http://schemas.microsoft.com/office/drawing/2014/main" id="{A2120A99-FD95-1369-3328-C124905A811D}"/>
+              </a:ext>
+            </a:extLst>
+          </p:cNvPr>
+          <p:cNvSpPr/>
+          <p:nvPr/>
+        </p:nvSpPr>
+        <p:spPr>
+          <a:xfrm>
+            <a:off x="7988400" y="4158041"/>
+            <a:ext cx="2437946" cy="1223682"/>
+          </a:xfrm>
+          <a:prstGeom prst="rect">
+            <a:avLst/>
+          </a:prstGeom>
+          <a:solidFill>
+            <a:schemeClr val="accent4">
+              <a:alpha val="50000"/>
+            </a:schemeClr>
+          </a:solidFill>
+          <a:ln>
+            <a:noFill/>
+          </a:ln>
+        </p:spPr>
+        <p:style>
+          <a:lnRef idx="0">
+            <a:scrgbClr r="0" g="0" b="0"/>
+          </a:lnRef>
+          <a:fillRef idx="0">
+            <a:scrgbClr r="0" g="0" b="0"/>
+          </a:fillRef>
+          <a:effectRef idx="0">
+            <a:scrgbClr r="0" g="0" b="0"/>
+          </a:effectRef>
+          <a:fontRef idx="minor">
+            <a:schemeClr val="lt1"/>
+          </a:fontRef>
+        </p:style>
+        <p:txBody>
+          <a:bodyPr rtlCol="0" anchor="ctr"/>
+          <a:lstStyle/>
+          <a:p>
+            <a:pPr algn="ctr"/>
+            <a:r>
+              <a:rPr lang="en-US" altLang="ko-KR" sz="1200" dirty="0"/>
+              <a:t>R2</a:t>
+            </a:r>
+            <a:endParaRPr lang="ko-KR" altLang="en-US" sz="1200" dirty="0"/>
+          </a:p>
+        </p:txBody>
+      </p:sp>
+      <p:cxnSp>
+        <p:nvCxnSpPr>
+          <p:cNvPr id="6" name="직선 화살표 연결선 5">
+            <a:extLst>
+              <a:ext uri="{FF2B5EF4-FFF2-40B4-BE49-F238E27FC236}">
+                <a16:creationId xmlns:a16="http://schemas.microsoft.com/office/drawing/2014/main" id="{E74E5CB1-7F24-0E65-9659-E049F77B2F9A}"/>
+              </a:ext>
+            </a:extLst>
+          </p:cNvPr>
+          <p:cNvCxnSpPr>
+            <a:cxnSpLocks/>
+            <a:stCxn id="7" idx="3"/>
+            <a:endCxn id="5" idx="1"/>
+          </p:cNvCxnSpPr>
+          <p:nvPr/>
+        </p:nvCxnSpPr>
+        <p:spPr>
+          <a:xfrm>
+            <a:off x="6534526" y="4220068"/>
+            <a:ext cx="1453874" cy="549814"/>
+          </a:xfrm>
+          <a:prstGeom prst="straightConnector1">
+            <a:avLst/>
+          </a:prstGeom>
+          <a:ln w="28575">
+            <a:solidFill>
+              <a:schemeClr val="tx1">
+                <a:lumMod val="75000"/>
+                <a:lumOff val="25000"/>
+              </a:schemeClr>
+            </a:solidFill>
+            <a:tailEnd type="triangle"/>
+          </a:ln>
+        </p:spPr>
+        <p:style>
+          <a:lnRef idx="1">
+            <a:schemeClr val="dk1"/>
+          </a:lnRef>
+          <a:fillRef idx="3">
+            <a:schemeClr val="dk1"/>
+          </a:fillRef>
+          <a:effectRef idx="2">
+            <a:schemeClr val="dk1"/>
+          </a:effectRef>
+          <a:fontRef idx="minor">
+            <a:schemeClr val="lt1"/>
+          </a:fontRef>
+        </p:style>
+      </p:cxnSp>
+      <p:grpSp>
+        <p:nvGrpSpPr>
+          <p:cNvPr id="8" name="그룹 7">
+            <a:extLst>
+              <a:ext uri="{FF2B5EF4-FFF2-40B4-BE49-F238E27FC236}">
+                <a16:creationId xmlns:a16="http://schemas.microsoft.com/office/drawing/2014/main" id="{E4E86703-9197-722D-B1EF-887463109F89}"/>
+              </a:ext>
+            </a:extLst>
+          </p:cNvPr>
+          <p:cNvGrpSpPr/>
+          <p:nvPr/>
+        </p:nvGrpSpPr>
+        <p:grpSpPr>
+          <a:xfrm>
+            <a:off x="810000" y="2424605"/>
+            <a:ext cx="5724526" cy="3590925"/>
+            <a:chOff x="848416" y="1962150"/>
+            <a:chExt cx="5724526" cy="3590925"/>
+          </a:xfrm>
+        </p:grpSpPr>
+        <p:sp>
+          <p:nvSpPr>
+            <p:cNvPr id="7" name="직사각형 6">
+              <a:extLst>
+                <a:ext uri="{FF2B5EF4-FFF2-40B4-BE49-F238E27FC236}">
+                  <a16:creationId xmlns:a16="http://schemas.microsoft.com/office/drawing/2014/main" id="{ABDB84CF-3826-2164-6107-3FAF7AEB955A}"/>
+                </a:ext>
+              </a:extLst>
+            </p:cNvPr>
+            <p:cNvSpPr/>
+            <p:nvPr/>
+          </p:nvSpPr>
+          <p:spPr>
+            <a:xfrm>
+              <a:off x="848416" y="1962150"/>
+              <a:ext cx="5724526" cy="3590925"/>
+            </a:xfrm>
+            <a:prstGeom prst="rect">
+              <a:avLst/>
+            </a:prstGeom>
+            <a:solidFill>
+              <a:schemeClr val="accent4">
+                <a:alpha val="50000"/>
+              </a:schemeClr>
+            </a:solidFill>
+            <a:ln>
+              <a:noFill/>
+            </a:ln>
+          </p:spPr>
+          <p:style>
+            <a:lnRef idx="0">
+              <a:scrgbClr r="0" g="0" b="0"/>
+            </a:lnRef>
+            <a:fillRef idx="0">
+              <a:scrgbClr r="0" g="0" b="0"/>
+            </a:fillRef>
+            <a:effectRef idx="0">
+              <a:scrgbClr r="0" g="0" b="0"/>
+            </a:effectRef>
+            <a:fontRef idx="minor">
+              <a:schemeClr val="lt1"/>
+            </a:fontRef>
+          </p:style>
+          <p:txBody>
+            <a:bodyPr rtlCol="0" anchor="t"/>
+            <a:lstStyle/>
+            <a:p>
+              <a:pPr algn="ctr"/>
+              <a:r>
+                <a:rPr lang="en-US" altLang="ko-KR" sz="2800" dirty="0">
+                  <a:solidFill>
+                    <a:schemeClr val="tx1"/>
+                  </a:solidFill>
+                </a:rPr>
+                <a:t>R1</a:t>
+              </a:r>
+              <a:endParaRPr lang="ko-KR" altLang="en-US" sz="1200" dirty="0">
+                <a:solidFill>
+                  <a:schemeClr val="tx1"/>
+                </a:solidFill>
+              </a:endParaRPr>
+            </a:p>
+          </p:txBody>
+        </p:sp>
+        <p:grpSp>
+          <p:nvGrpSpPr>
+            <p:cNvPr id="3" name="그룹 2">
+              <a:extLst>
+                <a:ext uri="{FF2B5EF4-FFF2-40B4-BE49-F238E27FC236}">
+                  <a16:creationId xmlns:a16="http://schemas.microsoft.com/office/drawing/2014/main" id="{217DAACF-5BCB-5A30-66B8-057CF83D7D6F}"/>
+                </a:ext>
+              </a:extLst>
+            </p:cNvPr>
+            <p:cNvGrpSpPr/>
+            <p:nvPr/>
+          </p:nvGrpSpPr>
+          <p:grpSpPr>
+            <a:xfrm>
+              <a:off x="1405973" y="2441441"/>
+              <a:ext cx="4398681" cy="2052964"/>
+              <a:chOff x="1314450" y="2476500"/>
+              <a:chExt cx="4476750" cy="2447925"/>
+            </a:xfrm>
+          </p:grpSpPr>
+          <p:sp>
+            <p:nvSpPr>
+              <p:cNvPr id="11" name="타원 10">
+                <a:extLst>
+                  <a:ext uri="{FF2B5EF4-FFF2-40B4-BE49-F238E27FC236}">
+                    <a16:creationId xmlns:a16="http://schemas.microsoft.com/office/drawing/2014/main" id="{A8DEAF01-6D94-28CA-7567-1D6E7A30C46B}"/>
+                  </a:ext>
+                </a:extLst>
+              </p:cNvPr>
+              <p:cNvSpPr/>
+              <p:nvPr/>
+            </p:nvSpPr>
+            <p:spPr>
+              <a:xfrm>
+                <a:off x="1314450" y="2476500"/>
+                <a:ext cx="1733550" cy="952500"/>
+              </a:xfrm>
+              <a:prstGeom prst="ellipse">
+                <a:avLst/>
+              </a:prstGeom>
+              <a:solidFill>
+                <a:schemeClr val="accent4">
+                  <a:alpha val="50000"/>
+                </a:schemeClr>
+              </a:solidFill>
+              <a:ln>
+                <a:noFill/>
+              </a:ln>
+            </p:spPr>
+            <p:style>
+              <a:lnRef idx="0">
+                <a:scrgbClr r="0" g="0" b="0"/>
+              </a:lnRef>
+              <a:fillRef idx="0">
+                <a:scrgbClr r="0" g="0" b="0"/>
+              </a:fillRef>
+              <a:effectRef idx="0">
+                <a:scrgbClr r="0" g="0" b="0"/>
+              </a:effectRef>
+              <a:fontRef idx="minor">
+                <a:schemeClr val="lt1"/>
+              </a:fontRef>
+            </p:style>
+            <p:txBody>
+              <a:bodyPr rtlCol="0" anchor="ctr"/>
+              <a:lstStyle/>
+              <a:p>
+                <a:pPr algn="ctr"/>
+                <a:r>
+                  <a:rPr lang="en-US" altLang="ko-KR" dirty="0"/>
+                  <a:t>Copy1 $Func1</a:t>
+                </a:r>
+                <a:endParaRPr lang="ko-KR" altLang="en-US" dirty="0"/>
+              </a:p>
+            </p:txBody>
+          </p:sp>
+          <p:sp>
+            <p:nvSpPr>
+              <p:cNvPr id="12" name="타원 11">
+                <a:extLst>
+                  <a:ext uri="{FF2B5EF4-FFF2-40B4-BE49-F238E27FC236}">
+                    <a16:creationId xmlns:a16="http://schemas.microsoft.com/office/drawing/2014/main" id="{97830B60-D108-9F85-29FC-869E4BDC5485}"/>
+                  </a:ext>
+                </a:extLst>
+              </p:cNvPr>
+              <p:cNvSpPr/>
+              <p:nvPr/>
+            </p:nvSpPr>
+            <p:spPr>
+              <a:xfrm>
+                <a:off x="4057650" y="3971925"/>
+                <a:ext cx="1733550" cy="952500"/>
+              </a:xfrm>
+              <a:prstGeom prst="ellipse">
+                <a:avLst/>
+              </a:prstGeom>
+              <a:solidFill>
+                <a:schemeClr val="accent4">
+                  <a:alpha val="50000"/>
+                </a:schemeClr>
+              </a:solidFill>
+              <a:ln>
+                <a:noFill/>
+              </a:ln>
+            </p:spPr>
+            <p:style>
+              <a:lnRef idx="0">
+                <a:scrgbClr r="0" g="0" b="0"/>
+              </a:lnRef>
+              <a:fillRef idx="0">
+                <a:scrgbClr r="0" g="0" b="0"/>
+              </a:fillRef>
+              <a:effectRef idx="0">
+                <a:scrgbClr r="0" g="0" b="0"/>
+              </a:effectRef>
+              <a:fontRef idx="minor">
+                <a:schemeClr val="lt1"/>
+              </a:fontRef>
+            </p:style>
+            <p:txBody>
+              <a:bodyPr rtlCol="0" anchor="ctr"/>
+              <a:lstStyle/>
+              <a:p>
+                <a:pPr algn="ctr"/>
+                <a:r>
+                  <a:rPr lang="en-US" altLang="ko-KR" dirty="0"/>
+                  <a:t>Copy2 $Func2</a:t>
+                </a:r>
+                <a:endParaRPr lang="ko-KR" altLang="en-US" dirty="0"/>
+              </a:p>
+            </p:txBody>
+          </p:sp>
+          <p:cxnSp>
+            <p:nvCxnSpPr>
+              <p:cNvPr id="14" name="연결선: 꺾임 13">
+                <a:extLst>
+                  <a:ext uri="{FF2B5EF4-FFF2-40B4-BE49-F238E27FC236}">
+                    <a16:creationId xmlns:a16="http://schemas.microsoft.com/office/drawing/2014/main" id="{AA5A9BF2-AF58-9F27-CB69-91D64393C28C}"/>
+                  </a:ext>
+                </a:extLst>
+              </p:cNvPr>
+              <p:cNvCxnSpPr>
+                <a:stCxn id="11" idx="5"/>
+                <a:endCxn id="12" idx="1"/>
+              </p:cNvCxnSpPr>
+              <p:nvPr/>
+            </p:nvCxnSpPr>
+            <p:spPr>
+              <a:xfrm rot="16200000" flipH="1">
+                <a:off x="3141873" y="2941764"/>
+                <a:ext cx="821905" cy="1517396"/>
+              </a:xfrm>
+              <a:prstGeom prst="bentConnector3">
+                <a:avLst/>
+              </a:prstGeom>
+              <a:ln>
+                <a:tailEnd type="triangle"/>
+              </a:ln>
+            </p:spPr>
+            <p:style>
+              <a:lnRef idx="1">
+                <a:schemeClr val="accent4"/>
+              </a:lnRef>
+              <a:fillRef idx="0">
+                <a:schemeClr val="accent4"/>
+              </a:fillRef>
+              <a:effectRef idx="0">
+                <a:schemeClr val="accent4"/>
+              </a:effectRef>
+              <a:fontRef idx="minor">
+                <a:schemeClr val="tx1"/>
+              </a:fontRef>
+            </p:style>
+          </p:cxnSp>
+        </p:grpSp>
+      </p:grpSp>
+      <p:sp>
+        <p:nvSpPr>
+          <p:cNvPr id="9" name="사각형: 모서리가 접힌 도형 8">
+            <a:extLst>
+              <a:ext uri="{FF2B5EF4-FFF2-40B4-BE49-F238E27FC236}">
+                <a16:creationId xmlns:a16="http://schemas.microsoft.com/office/drawing/2014/main" id="{CD4551F7-015D-C082-6A49-B87E9C21A9AC}"/>
+              </a:ext>
+            </a:extLst>
+          </p:cNvPr>
+          <p:cNvSpPr/>
+          <p:nvPr/>
+        </p:nvSpPr>
+        <p:spPr>
+          <a:xfrm>
+            <a:off x="9316310" y="2557743"/>
+            <a:ext cx="2437946" cy="1223682"/>
+          </a:xfrm>
+          <a:prstGeom prst="foldedCorner">
+            <a:avLst/>
+          </a:prstGeom>
+          <a:solidFill>
+            <a:schemeClr val="accent3">
+              <a:alpha val="50000"/>
+            </a:schemeClr>
+          </a:solidFill>
+          <a:ln>
+            <a:noFill/>
+          </a:ln>
+        </p:spPr>
+        <p:style>
+          <a:lnRef idx="0">
+            <a:scrgbClr r="0" g="0" b="0"/>
+          </a:lnRef>
+          <a:fillRef idx="0">
+            <a:scrgbClr r="0" g="0" b="0"/>
+          </a:fillRef>
+          <a:effectRef idx="0">
+            <a:scrgbClr r="0" g="0" b="0"/>
+          </a:effectRef>
+          <a:fontRef idx="minor">
+            <a:schemeClr val="lt1"/>
+          </a:fontRef>
+        </p:style>
+        <p:txBody>
+          <a:bodyPr rtlCol="0" anchor="ctr"/>
+          <a:lstStyle/>
+          <a:p>
+            <a:pPr algn="ctr"/>
+            <a:r>
+              <a:rPr lang="en-US" altLang="ko-KR" dirty="0"/>
+              <a:t>Lib/test </a:t>
+            </a:r>
+          </a:p>
+          <a:p>
+            <a:pPr algn="ctr"/>
+            <a:r>
+              <a:rPr lang="en-US" altLang="ko-KR" dirty="0"/>
+              <a:t>[</a:t>
+            </a:r>
+            <a:r>
+              <a:rPr lang="en-US" altLang="ko-KR" dirty="0" err="1"/>
+              <a:t>Copy1</a:t>
+            </a:r>
+            <a:r>
+              <a:rPr lang="en-US" altLang="ko-KR" dirty="0"/>
+              <a:t>; </a:t>
+            </a:r>
+            <a:r>
+              <a:rPr lang="en-US" altLang="ko-KR" dirty="0" err="1"/>
+              <a:t>Copy2</a:t>
+            </a:r>
+            <a:r>
+              <a:rPr lang="en-US" altLang="ko-KR" dirty="0"/>
+              <a:t>]</a:t>
+            </a:r>
+            <a:endParaRPr lang="ko-KR" altLang="en-US" dirty="0"/>
+          </a:p>
+        </p:txBody>
+      </p:sp>
+      <p:sp>
+        <p:nvSpPr>
+          <p:cNvPr id="4" name="TextBox 3">
+            <a:extLst>
+              <a:ext uri="{FF2B5EF4-FFF2-40B4-BE49-F238E27FC236}">
+                <a16:creationId xmlns:a16="http://schemas.microsoft.com/office/drawing/2014/main" id="{9A03A722-5833-954B-9CFC-4E8A59AE5C36}"/>
+              </a:ext>
+            </a:extLst>
+          </p:cNvPr>
+          <p:cNvSpPr txBox="1"/>
+          <p:nvPr/>
+        </p:nvSpPr>
+        <p:spPr>
+          <a:xfrm>
+            <a:off x="6781801" y="1860544"/>
+            <a:ext cx="5410199" cy="646331"/>
+          </a:xfrm>
+          <a:prstGeom prst="rect">
+            <a:avLst/>
+          </a:prstGeom>
+          <a:noFill/>
+        </p:spPr>
+        <p:txBody>
+          <a:bodyPr wrap="square">
+            <a:spAutoFit/>
+          </a:bodyPr>
+          <a:lstStyle/>
+          <a:p>
+            <a:r>
+              <a:rPr lang="ko-KR" altLang="en-US" dirty="0"/>
+              <a:t>확장정의</a:t>
+            </a:r>
+            <a:r>
+              <a:rPr lang="en-US" altLang="ko-KR" dirty="0"/>
+              <a:t>1 : </a:t>
+            </a:r>
+            <a:r>
+              <a:rPr lang="ko-KR" altLang="en-US" dirty="0"/>
+              <a:t>복수의 </a:t>
+            </a:r>
+            <a:r>
+              <a:rPr lang="en-US" altLang="ko-KR" dirty="0"/>
+              <a:t>Copy</a:t>
+            </a:r>
+            <a:r>
+              <a:rPr lang="ko-KR" altLang="en-US" dirty="0"/>
+              <a:t>시스템을 만들 수 있다</a:t>
+            </a:r>
+            <a:r>
+              <a:rPr lang="en-US" altLang="ko-KR" dirty="0"/>
+              <a:t>.</a:t>
+            </a:r>
+          </a:p>
+          <a:p>
+            <a:r>
+              <a:rPr lang="en-US" altLang="ko-KR" dirty="0"/>
+              <a:t>‘ ; ‘  </a:t>
+            </a:r>
+            <a:r>
+              <a:rPr lang="ko-KR" altLang="en-US" dirty="0"/>
+              <a:t>구분하여 여러 시스템 로딩 한다</a:t>
+            </a:r>
+            <a:r>
+              <a:rPr lang="en-US" altLang="ko-KR" dirty="0"/>
+              <a:t>.</a:t>
+            </a:r>
+            <a:endParaRPr lang="ko-KR" altLang="en-US" dirty="0"/>
+          </a:p>
+        </p:txBody>
+      </p:sp>
+    </p:spTree>
+    <p:extLst>
+      <p:ext uri="{BB962C8B-B14F-4D97-AF65-F5344CB8AC3E}">
+        <p14:creationId xmlns:p14="http://schemas.microsoft.com/office/powerpoint/2010/main" val="2157853785"/>
+      </p:ext>
+    </p:extLst>
+  </p:cSld>
+  <p:clrMapOvr>
+    <a:masterClrMapping/>
+  </p:clrMapOvr>
+</p:sld>
+</file>
+
+<file path=ppt/slides/slide9.xml><?xml version="1.0" encoding="utf-8"?>
+<p:sld xmlns:a="http://schemas.openxmlformats.org/drawingml/2006/main" xmlns:r="http://schemas.openxmlformats.org/officeDocument/2006/relationships" xmlns:p="http://schemas.openxmlformats.org/presentationml/2006/main">
+  <p:cSld>
+    <p:spTree>
+      <p:nvGrpSpPr>
+        <p:cNvPr id="1" name=""/>
+        <p:cNvGrpSpPr/>
+        <p:nvPr/>
+      </p:nvGrpSpPr>
+      <p:grpSpPr>
+        <a:xfrm>
+          <a:off x="0" y="0"/>
+          <a:ext cx="0" cy="0"/>
+          <a:chOff x="0" y="0"/>
+          <a:chExt cx="0" cy="0"/>
+        </a:xfrm>
+      </p:grpSpPr>
+      <p:sp>
+        <p:nvSpPr>
+          <p:cNvPr id="2" name="제목 1">
+            <a:extLst>
+              <a:ext uri="{FF2B5EF4-FFF2-40B4-BE49-F238E27FC236}">
+                <a16:creationId xmlns:a16="http://schemas.microsoft.com/office/drawing/2014/main" id="{E35BEC89-0CFB-7F29-D8C7-71B3E64B4D66}"/>
+              </a:ext>
+            </a:extLst>
+          </p:cNvPr>
+          <p:cNvSpPr>
+            <a:spLocks noGrp="1"/>
+          </p:cNvSpPr>
+          <p:nvPr>
+            <p:ph type="title"/>
+          </p:nvPr>
+        </p:nvSpPr>
+        <p:spPr/>
+        <p:txBody>
+          <a:bodyPr/>
+          <a:lstStyle/>
+          <a:p>
+            <a:r>
+              <a:rPr lang="en-US" altLang="ko-KR" dirty="0"/>
+              <a:t>OrFlow</a:t>
+            </a:r>
+            <a:endParaRPr lang="ko-KR" altLang="en-US" dirty="0"/>
+          </a:p>
+        </p:txBody>
+      </p:sp>
+      <p:sp>
+        <p:nvSpPr>
+          <p:cNvPr id="5" name="직사각형 4">
+            <a:extLst>
+              <a:ext uri="{FF2B5EF4-FFF2-40B4-BE49-F238E27FC236}">
+                <a16:creationId xmlns:a16="http://schemas.microsoft.com/office/drawing/2014/main" id="{A2120A99-FD95-1369-3328-C124905A811D}"/>
+              </a:ext>
+            </a:extLst>
+          </p:cNvPr>
+          <p:cNvSpPr/>
+          <p:nvPr/>
+        </p:nvSpPr>
+        <p:spPr>
+          <a:xfrm>
+            <a:off x="5666014" y="2445569"/>
+            <a:ext cx="2437946" cy="1223682"/>
+          </a:xfrm>
+          <a:prstGeom prst="rect">
+            <a:avLst/>
+          </a:prstGeom>
+          <a:solidFill>
+            <a:schemeClr val="accent4">
+              <a:alpha val="50000"/>
+            </a:schemeClr>
+          </a:solidFill>
+          <a:ln>
+            <a:noFill/>
+          </a:ln>
+        </p:spPr>
+        <p:style>
+          <a:lnRef idx="0">
+            <a:scrgbClr r="0" g="0" b="0"/>
+          </a:lnRef>
+          <a:fillRef idx="0">
+            <a:scrgbClr r="0" g="0" b="0"/>
+          </a:fillRef>
+          <a:effectRef idx="0">
+            <a:scrgbClr r="0" g="0" b="0"/>
+          </a:effectRef>
+          <a:fontRef idx="minor">
+            <a:schemeClr val="lt1"/>
+          </a:fontRef>
+        </p:style>
+        <p:txBody>
+          <a:bodyPr rtlCol="0" anchor="ctr"/>
+          <a:lstStyle/>
+          <a:p>
+            <a:pPr algn="ctr"/>
+            <a:r>
+              <a:rPr lang="en-US" altLang="ko-KR" sz="1200" dirty="0"/>
+              <a:t>R3</a:t>
+            </a:r>
+            <a:endParaRPr lang="ko-KR" altLang="en-US" sz="1200" dirty="0"/>
+          </a:p>
+        </p:txBody>
+      </p:sp>
+      <p:cxnSp>
+        <p:nvCxnSpPr>
+          <p:cNvPr id="6" name="직선 화살표 연결선 5">
+            <a:extLst>
+              <a:ext uri="{FF2B5EF4-FFF2-40B4-BE49-F238E27FC236}">
+                <a16:creationId xmlns:a16="http://schemas.microsoft.com/office/drawing/2014/main" id="{E74E5CB1-7F24-0E65-9659-E049F77B2F9A}"/>
+              </a:ext>
+            </a:extLst>
+          </p:cNvPr>
+          <p:cNvCxnSpPr>
+            <a:cxnSpLocks/>
+            <a:stCxn id="4" idx="3"/>
+            <a:endCxn id="5" idx="1"/>
+          </p:cNvCxnSpPr>
+          <p:nvPr/>
+        </p:nvCxnSpPr>
+        <p:spPr>
+          <a:xfrm flipV="1">
+            <a:off x="3675289" y="3057410"/>
+            <a:ext cx="1990725" cy="1"/>
+          </a:xfrm>
+          <a:prstGeom prst="straightConnector1">
+            <a:avLst/>
+          </a:prstGeom>
+          <a:ln w="28575">
+            <a:solidFill>
+              <a:schemeClr val="tx1">
+                <a:lumMod val="75000"/>
+                <a:lumOff val="25000"/>
+              </a:schemeClr>
+            </a:solidFill>
+            <a:tailEnd type="triangle"/>
+          </a:ln>
+        </p:spPr>
+        <p:style>
+          <a:lnRef idx="1">
+            <a:schemeClr val="dk1"/>
+          </a:lnRef>
+          <a:fillRef idx="3">
+            <a:schemeClr val="dk1"/>
+          </a:fillRef>
+          <a:effectRef idx="2">
+            <a:schemeClr val="dk1"/>
+          </a:effectRef>
+          <a:fontRef idx="minor">
+            <a:schemeClr val="lt1"/>
+          </a:fontRef>
+        </p:style>
+      </p:cxnSp>
+      <p:sp>
+        <p:nvSpPr>
+          <p:cNvPr id="4" name="직사각형 3">
+            <a:extLst>
+              <a:ext uri="{FF2B5EF4-FFF2-40B4-BE49-F238E27FC236}">
+                <a16:creationId xmlns:a16="http://schemas.microsoft.com/office/drawing/2014/main" id="{975CB8F8-D7F1-AC21-42DC-848CBF11A009}"/>
+              </a:ext>
+            </a:extLst>
+          </p:cNvPr>
+          <p:cNvSpPr/>
+          <p:nvPr/>
+        </p:nvSpPr>
+        <p:spPr>
+          <a:xfrm>
+            <a:off x="1237342" y="2394629"/>
+            <a:ext cx="2437947" cy="1325563"/>
+          </a:xfrm>
+          <a:prstGeom prst="rect">
+            <a:avLst/>
+          </a:prstGeom>
+          <a:solidFill>
+            <a:schemeClr val="accent4">
+              <a:alpha val="50000"/>
+            </a:schemeClr>
+          </a:solidFill>
+          <a:ln>
+            <a:noFill/>
+          </a:ln>
+        </p:spPr>
+        <p:style>
+          <a:lnRef idx="0">
+            <a:scrgbClr r="0" g="0" b="0"/>
+          </a:lnRef>
+          <a:fillRef idx="0">
+            <a:scrgbClr r="0" g="0" b="0"/>
+          </a:fillRef>
+          <a:effectRef idx="0">
+            <a:scrgbClr r="0" g="0" b="0"/>
+          </a:effectRef>
+          <a:fontRef idx="minor">
+            <a:schemeClr val="lt1"/>
+          </a:fontRef>
+        </p:style>
+        <p:txBody>
+          <a:bodyPr rtlCol="0" anchor="ctr"/>
+          <a:lstStyle/>
+          <a:p>
+            <a:pPr algn="ctr"/>
+            <a:r>
+              <a:rPr lang="en-US" altLang="ko-KR" sz="1200" dirty="0">
+                <a:solidFill>
+                  <a:schemeClr val="tx1"/>
+                </a:solidFill>
+              </a:rPr>
+              <a:t>R1</a:t>
+            </a:r>
+            <a:endParaRPr lang="ko-KR" altLang="en-US" sz="1200" dirty="0">
+              <a:solidFill>
+                <a:schemeClr val="tx1"/>
+              </a:solidFill>
+            </a:endParaRPr>
+          </a:p>
+        </p:txBody>
+      </p:sp>
+      <p:sp>
+        <p:nvSpPr>
+          <p:cNvPr id="15" name="직사각형 14">
+            <a:extLst>
+              <a:ext uri="{FF2B5EF4-FFF2-40B4-BE49-F238E27FC236}">
+                <a16:creationId xmlns:a16="http://schemas.microsoft.com/office/drawing/2014/main" id="{DC8E102A-BA5F-F0BD-125C-BFB23C786F22}"/>
+              </a:ext>
+            </a:extLst>
+          </p:cNvPr>
+          <p:cNvSpPr/>
+          <p:nvPr/>
+        </p:nvSpPr>
+        <p:spPr>
+          <a:xfrm>
+            <a:off x="1237342" y="4303458"/>
+            <a:ext cx="2437947" cy="1325563"/>
+          </a:xfrm>
+          <a:prstGeom prst="rect">
+            <a:avLst/>
+          </a:prstGeom>
+          <a:solidFill>
+            <a:schemeClr val="accent4">
+              <a:alpha val="50000"/>
+            </a:schemeClr>
+          </a:solidFill>
+          <a:ln>
+            <a:noFill/>
+          </a:ln>
+        </p:spPr>
+        <p:style>
+          <a:lnRef idx="0">
+            <a:scrgbClr r="0" g="0" b="0"/>
+          </a:lnRef>
+          <a:fillRef idx="0">
+            <a:scrgbClr r="0" g="0" b="0"/>
+          </a:fillRef>
+          <a:effectRef idx="0">
+            <a:scrgbClr r="0" g="0" b="0"/>
+          </a:effectRef>
+          <a:fontRef idx="minor">
+            <a:schemeClr val="lt1"/>
+          </a:fontRef>
+        </p:style>
+        <p:txBody>
+          <a:bodyPr rtlCol="0" anchor="ctr"/>
+          <a:lstStyle/>
+          <a:p>
+            <a:pPr algn="ctr"/>
+            <a:r>
+              <a:rPr lang="en-US" altLang="ko-KR" sz="1200" dirty="0">
+                <a:solidFill>
+                  <a:schemeClr val="tx1"/>
+                </a:solidFill>
+              </a:rPr>
+              <a:t>R2</a:t>
+            </a:r>
+            <a:endParaRPr lang="ko-KR" altLang="en-US" sz="1200" dirty="0">
+              <a:solidFill>
+                <a:schemeClr val="tx1"/>
+              </a:solidFill>
+            </a:endParaRPr>
+          </a:p>
+        </p:txBody>
+      </p:sp>
+      <p:cxnSp>
+        <p:nvCxnSpPr>
+          <p:cNvPr id="17" name="연결선: 꺾임 16">
+            <a:extLst>
+              <a:ext uri="{FF2B5EF4-FFF2-40B4-BE49-F238E27FC236}">
+                <a16:creationId xmlns:a16="http://schemas.microsoft.com/office/drawing/2014/main" id="{63C9F821-756B-3EDC-B400-1E1C0536BA9A}"/>
+              </a:ext>
+            </a:extLst>
+          </p:cNvPr>
+          <p:cNvCxnSpPr>
+            <a:cxnSpLocks/>
+            <a:stCxn id="15" idx="3"/>
+            <a:endCxn id="9" idx="1"/>
+          </p:cNvCxnSpPr>
+          <p:nvPr/>
+        </p:nvCxnSpPr>
+        <p:spPr>
+          <a:xfrm flipV="1">
+            <a:off x="3675289" y="4966239"/>
+            <a:ext cx="1990725" cy="1"/>
+          </a:xfrm>
+          <a:prstGeom prst="bentConnector3">
+            <a:avLst>
+              <a:gd name="adj1" fmla="val 50000"/>
+            </a:avLst>
+          </a:prstGeom>
+          <a:ln w="28575">
+            <a:solidFill>
+              <a:schemeClr val="tx1">
+                <a:lumMod val="75000"/>
+                <a:lumOff val="25000"/>
+              </a:schemeClr>
+            </a:solidFill>
+            <a:tailEnd type="triangle"/>
+          </a:ln>
+        </p:spPr>
+        <p:style>
+          <a:lnRef idx="1">
+            <a:schemeClr val="dk1"/>
+          </a:lnRef>
+          <a:fillRef idx="3">
+            <a:schemeClr val="dk1"/>
+          </a:fillRef>
+          <a:effectRef idx="2">
+            <a:schemeClr val="dk1"/>
+          </a:effectRef>
+          <a:fontRef idx="minor">
+            <a:schemeClr val="lt1"/>
+          </a:fontRef>
+        </p:style>
+      </p:cxnSp>
+      <p:sp>
+        <p:nvSpPr>
+          <p:cNvPr id="7" name="TextBox 6">
+            <a:extLst>
+              <a:ext uri="{FF2B5EF4-FFF2-40B4-BE49-F238E27FC236}">
+                <a16:creationId xmlns:a16="http://schemas.microsoft.com/office/drawing/2014/main" id="{ADF18E3D-A992-ADEF-310E-185F13765CF3}"/>
+              </a:ext>
+            </a:extLst>
+          </p:cNvPr>
+          <p:cNvSpPr txBox="1"/>
+          <p:nvPr/>
+        </p:nvSpPr>
+        <p:spPr>
+          <a:xfrm>
+            <a:off x="8248187" y="3672693"/>
+            <a:ext cx="3671670" cy="3139321"/>
+          </a:xfrm>
+          <a:prstGeom prst="rect">
+            <a:avLst/>
+          </a:prstGeom>
+          <a:noFill/>
+        </p:spPr>
+        <p:txBody>
+          <a:bodyPr wrap="square">
+            <a:spAutoFit/>
+          </a:bodyPr>
+          <a:lstStyle/>
+          <a:p>
+            <a:r>
+              <a:rPr lang="pt-BR" altLang="ko-KR" sz="1800" dirty="0">
+                <a:latin typeface="굴림" panose="020B0600000101010101" pitchFamily="50" charset="-127"/>
+                <a:ea typeface="굴림" panose="020B0600000101010101" pitchFamily="50" charset="-127"/>
+              </a:rPr>
+              <a:t>[sys] 6.Alias = {</a:t>
+            </a:r>
+            <a:endParaRPr lang="ko-KR" altLang="en-US" sz="1800" dirty="0">
+              <a:latin typeface="굴림" panose="020B0600000101010101" pitchFamily="50" charset="-127"/>
+              <a:ea typeface="굴림" panose="020B0600000101010101" pitchFamily="50" charset="-127"/>
+            </a:endParaRPr>
+          </a:p>
+          <a:p>
+            <a:r>
+              <a:rPr lang="ko-KR" altLang="en-US" sz="1800" dirty="0">
+                <a:latin typeface="굴림" panose="020B0600000101010101" pitchFamily="50" charset="-127"/>
+                <a:ea typeface="굴림" panose="020B0600000101010101" pitchFamily="50" charset="-127"/>
+              </a:rPr>
+              <a:t>   </a:t>
+            </a:r>
+            <a:endParaRPr lang="en-US" altLang="ko-KR" sz="1800" dirty="0">
+              <a:latin typeface="굴림" panose="020B0600000101010101" pitchFamily="50" charset="-127"/>
+              <a:ea typeface="굴림" panose="020B0600000101010101" pitchFamily="50" charset="-127"/>
+            </a:endParaRPr>
+          </a:p>
+          <a:p>
+            <a:r>
+              <a:rPr lang="pt-BR" altLang="ko-KR" sz="1800" dirty="0">
+                <a:latin typeface="굴림" panose="020B0600000101010101" pitchFamily="50" charset="-127"/>
+                <a:ea typeface="굴림" panose="020B0600000101010101" pitchFamily="50" charset="-127"/>
+              </a:rPr>
+              <a:t> [flow] OrFlow = {</a:t>
+            </a:r>
+          </a:p>
+          <a:p>
+            <a:r>
+              <a:rPr lang="pt-BR" altLang="ko-KR" sz="1800" dirty="0">
+                <a:latin typeface="굴림" panose="020B0600000101010101" pitchFamily="50" charset="-127"/>
+                <a:ea typeface="굴림" panose="020B0600000101010101" pitchFamily="50" charset="-127"/>
+              </a:rPr>
+              <a:t>        R1 &gt; R3;</a:t>
+            </a:r>
+          </a:p>
+          <a:p>
+            <a:r>
+              <a:rPr lang="pt-BR" altLang="ko-KR" sz="1800" dirty="0">
+                <a:latin typeface="굴림" panose="020B0600000101010101" pitchFamily="50" charset="-127"/>
+                <a:ea typeface="굴림" panose="020B0600000101010101" pitchFamily="50" charset="-127"/>
+              </a:rPr>
+              <a:t>        R2 &gt; Copy1_R3;</a:t>
+            </a:r>
+          </a:p>
+          <a:p>
+            <a:r>
+              <a:rPr lang="pt-BR" altLang="ko-KR" sz="1800" dirty="0">
+                <a:latin typeface="굴림" panose="020B0600000101010101" pitchFamily="50" charset="-127"/>
+                <a:ea typeface="굴림" panose="020B0600000101010101" pitchFamily="50" charset="-127"/>
+              </a:rPr>
+              <a:t>        [aliases] = {</a:t>
+            </a:r>
+          </a:p>
+          <a:p>
+            <a:r>
+              <a:rPr lang="pt-BR" altLang="ko-KR" sz="1800" dirty="0">
+                <a:latin typeface="굴림" panose="020B0600000101010101" pitchFamily="50" charset="-127"/>
+                <a:ea typeface="굴림" panose="020B0600000101010101" pitchFamily="50" charset="-127"/>
+              </a:rPr>
+              <a:t>            R3 = { Copy1_R3; }</a:t>
+            </a:r>
+          </a:p>
+          <a:p>
+            <a:r>
+              <a:rPr lang="pt-BR" altLang="ko-KR" sz="1800" dirty="0">
+                <a:latin typeface="굴림" panose="020B0600000101010101" pitchFamily="50" charset="-127"/>
+                <a:ea typeface="굴림" panose="020B0600000101010101" pitchFamily="50" charset="-127"/>
+              </a:rPr>
+              <a:t>        }</a:t>
+            </a:r>
+          </a:p>
+          <a:p>
+            <a:r>
+              <a:rPr lang="pt-BR" altLang="ko-KR" sz="1800" dirty="0">
+                <a:latin typeface="굴림" panose="020B0600000101010101" pitchFamily="50" charset="-127"/>
+                <a:ea typeface="굴림" panose="020B0600000101010101" pitchFamily="50" charset="-127"/>
+              </a:rPr>
+              <a:t> }</a:t>
+            </a:r>
+          </a:p>
+          <a:p>
+            <a:r>
+              <a:rPr lang="en-US" altLang="ko-KR" sz="1800" dirty="0">
+                <a:latin typeface="굴림" panose="020B0600000101010101" pitchFamily="50" charset="-127"/>
+                <a:ea typeface="굴림" panose="020B0600000101010101" pitchFamily="50" charset="-127"/>
+              </a:rPr>
+              <a:t>}</a:t>
+            </a:r>
+            <a:endParaRPr lang="ko-KR" altLang="en-US" sz="1800" dirty="0">
+              <a:latin typeface="굴림" panose="020B0600000101010101" pitchFamily="50" charset="-127"/>
+              <a:ea typeface="굴림" panose="020B0600000101010101" pitchFamily="50" charset="-127"/>
+            </a:endParaRPr>
+          </a:p>
+          <a:p>
+            <a:endParaRPr lang="ko-KR" altLang="en-US" sz="1800" dirty="0">
+              <a:latin typeface="굴림" panose="020B0600000101010101" pitchFamily="50" charset="-127"/>
+              <a:ea typeface="굴림" panose="020B0600000101010101" pitchFamily="50" charset="-127"/>
+            </a:endParaRPr>
+          </a:p>
+        </p:txBody>
+      </p:sp>
+      <p:sp>
+        <p:nvSpPr>
+          <p:cNvPr id="9" name="직사각형 8">
+            <a:extLst>
+              <a:ext uri="{FF2B5EF4-FFF2-40B4-BE49-F238E27FC236}">
+                <a16:creationId xmlns:a16="http://schemas.microsoft.com/office/drawing/2014/main" id="{F0C23021-40AA-00E4-7489-9C3DA5B96EA0}"/>
+              </a:ext>
+            </a:extLst>
+          </p:cNvPr>
+          <p:cNvSpPr/>
+          <p:nvPr/>
+        </p:nvSpPr>
+        <p:spPr>
+          <a:xfrm>
+            <a:off x="5666014" y="4354398"/>
+            <a:ext cx="2437946" cy="1223682"/>
+          </a:xfrm>
+          <a:prstGeom prst="rect">
+            <a:avLst/>
+          </a:prstGeom>
+          <a:solidFill>
+            <a:schemeClr val="accent4">
+              <a:alpha val="50000"/>
+            </a:schemeClr>
+          </a:solidFill>
+          <a:ln>
+            <a:noFill/>
+          </a:ln>
+        </p:spPr>
+        <p:style>
+          <a:lnRef idx="0">
+            <a:scrgbClr r="0" g="0" b="0"/>
+          </a:lnRef>
+          <a:fillRef idx="0">
+            <a:scrgbClr r="0" g="0" b="0"/>
+          </a:fillRef>
+          <a:effectRef idx="0">
+            <a:scrgbClr r="0" g="0" b="0"/>
+          </a:effectRef>
+          <a:fontRef idx="minor">
+            <a:schemeClr val="lt1"/>
+          </a:fontRef>
+        </p:style>
+        <p:txBody>
+          <a:bodyPr rtlCol="0" anchor="ctr"/>
+          <a:lstStyle/>
+          <a:p>
+            <a:pPr algn="ctr"/>
+            <a:r>
+              <a:rPr lang="en-US" altLang="ko-KR" sz="1200" dirty="0"/>
+              <a:t>R3</a:t>
+            </a:r>
+            <a:endParaRPr lang="ko-KR" altLang="en-US" sz="1200" dirty="0"/>
+          </a:p>
+        </p:txBody>
+      </p:sp>
+    </p:spTree>
+    <p:extLst>
+      <p:ext uri="{BB962C8B-B14F-4D97-AF65-F5344CB8AC3E}">
+        <p14:creationId xmlns:p14="http://schemas.microsoft.com/office/powerpoint/2010/main" val="1839635394"/>
       </p:ext>
     </p:extLst>
   </p:cSld>
